--- a/old/lesson_54_python.pptx
+++ b/old/lesson_54_python.pptx
@@ -15,7 +15,6 @@
     <p:sldId id="260" r:id="rId12"/>
     <p:sldId id="261" r:id="rId13"/>
     <p:sldId id="262" r:id="rId14"/>
-    <p:sldId id="263" r:id="rId15"/>
   </p:sldIdLst>
   <p:sldSz cx="9144000" cy="5143500"/>
   <p:notesSz cx="6858000" cy="9144000"/>
@@ -490,7 +489,7 @@
       </p:grpSpPr>
       <p:sp>
         <p:nvSpPr>
-          <p:cNvPr id="154" name="Shape 154"/>
+          <p:cNvPr id="155" name="Shape 155"/>
           <p:cNvSpPr/>
           <p:nvPr>
             <p:ph type="sldImg"/>
@@ -511,7 +510,7 @@
       </p:sp>
       <p:sp>
         <p:nvSpPr>
-          <p:cNvPr id="155" name="Shape 155"/>
+          <p:cNvPr id="156" name="Shape 156"/>
           <p:cNvSpPr/>
           <p:nvPr>
             <p:ph type="body" sz="quarter" idx="1"/>
@@ -524,20 +523,54 @@
         </p:spPr>
         <p:txBody>
           <a:bodyPr/>
-          <a:lstStyle>
-            <a:lvl1pPr marL="538595" indent="-379845">
+          <a:lstStyle/>
+          <a:p>
+            <a:pPr marL="538595" indent="-379845">
               <a:buClr>
                 <a:srgbClr val="000000"/>
               </a:buClr>
               <a:buSzPts val="1400"/>
               <a:buFont typeface="Arial"/>
               <a:buChar char="●"/>
-            </a:lvl1pPr>
-          </a:lstStyle>
+            </a:pPr>
+            <a:r>
+              <a:t>A. Answers will vary.</a:t>
+            </a:r>
+          </a:p>
+          <a:p>
+            <a:pPr marL="538595" indent="-379845">
+              <a:buClr>
+                <a:srgbClr val="000000"/>
+              </a:buClr>
+              <a:buSzPts val="1400"/>
+              <a:buFont typeface="Arial"/>
+              <a:buChar char="●"/>
+            </a:pPr>
+            <a:r>
+              <a:t>* why is it important for the coach to NEVER touch another students keyboard? Your helping the student, not doing it for them. A coach and sports doesn’t go out and play the game for the team.</a:t>
+            </a:r>
+          </a:p>
           <a:p>
             <a:pPr/>
             <a:r>
-              <a:t>A. </a:t>
+              <a:t>See </a:t>
+            </a:r>
+            <a:r>
+              <a:rPr u="sng">
+                <a:solidFill>
+                  <a:srgbClr val="0277BD"/>
+                </a:solidFill>
+                <a:uFill>
+                  <a:solidFill>
+                    <a:srgbClr val="0277BD"/>
+                  </a:solidFill>
+                </a:uFill>
+                <a:hlinkClick r:id="rId3" invalidUrl="" action="" tgtFrame="" tooltip="" history="1" highlightClick="0" endSnd="0"/>
+              </a:rPr>
+              <a:t>create.kahoot.com</a:t>
+            </a:r>
+            <a:r>
+              <a:t> for kahoot slides (last 10 minutes of period)</a:t>
             </a:r>
           </a:p>
         </p:txBody>
@@ -569,7 +602,7 @@
       </p:grpSpPr>
       <p:sp>
         <p:nvSpPr>
-          <p:cNvPr id="168" name="Shape 168"/>
+          <p:cNvPr id="166" name="Shape 166"/>
           <p:cNvSpPr/>
           <p:nvPr>
             <p:ph type="sldImg"/>
@@ -590,7 +623,7 @@
       </p:sp>
       <p:sp>
         <p:nvSpPr>
-          <p:cNvPr id="169" name="Shape 169"/>
+          <p:cNvPr id="167" name="Shape 167"/>
           <p:cNvSpPr/>
           <p:nvPr>
             <p:ph type="body" sz="quarter" idx="1"/>
@@ -735,7 +768,7 @@
       </p:grpSpPr>
       <p:sp>
         <p:nvSpPr>
-          <p:cNvPr id="174" name="Shape 174"/>
+          <p:cNvPr id="172" name="Shape 172"/>
           <p:cNvSpPr/>
           <p:nvPr>
             <p:ph type="sldImg"/>
@@ -756,7 +789,7 @@
       </p:sp>
       <p:sp>
         <p:nvSpPr>
-          <p:cNvPr id="175" name="Shape 175"/>
+          <p:cNvPr id="173" name="Shape 173"/>
           <p:cNvSpPr/>
           <p:nvPr>
             <p:ph type="body" sz="quarter" idx="1"/>
@@ -831,7 +864,7 @@
       </p:grpSpPr>
       <p:sp>
         <p:nvSpPr>
-          <p:cNvPr id="184" name="Shape 184"/>
+          <p:cNvPr id="182" name="Shape 182"/>
           <p:cNvSpPr/>
           <p:nvPr>
             <p:ph type="sldImg"/>
@@ -852,7 +885,7 @@
       </p:sp>
       <p:sp>
         <p:nvSpPr>
-          <p:cNvPr id="185" name="Shape 185"/>
+          <p:cNvPr id="183" name="Shape 183"/>
           <p:cNvSpPr/>
           <p:nvPr>
             <p:ph type="body" sz="quarter" idx="1"/>
@@ -2316,14 +2349,14 @@
             </a:r>
             <a:r>
               <a:rPr b="0"/>
-              <a:t>Use functions, loops, and artistic effects to generate works of art</a:t>
+              <a:t>Use functions, loops, and artistic effects to generate works of art/Kahoot</a:t>
             </a:r>
           </a:p>
         </p:txBody>
       </p:sp>
       <p:sp>
         <p:nvSpPr>
-          <p:cNvPr id="43" name="Dr. O’Brien 10/21/21"/>
+          <p:cNvPr id="43" name="Dr. O’Brien 10/22/21"/>
           <p:cNvSpPr txBox="1"/>
           <p:nvPr/>
         </p:nvSpPr>
@@ -2360,7 +2393,7 @@
           <a:p>
             <a:pPr/>
             <a:r>
-              <a:t>Dr. O’Brien 10/21/21</a:t>
+              <a:t>Dr. O’Brien 10/22/21</a:t>
             </a:r>
           </a:p>
         </p:txBody>
@@ -4526,7 +4559,7 @@
               </a:defRPr>
             </a:pPr>
             <a:r>
-              <a:t>Lesson 5.4</a:t>
+              <a:t>Lesson 5.5</a:t>
             </a:r>
           </a:p>
         </p:txBody>
@@ -4581,7 +4614,7 @@
               <a:defRPr sz="1600"/>
             </a:pPr>
             <a:r>
-              <a:t>Oct. 21, 2021</a:t>
+              <a:t>Oct. 22, 2021</a:t>
             </a:r>
           </a:p>
           <a:p>
@@ -4631,7 +4664,7 @@
         <p:spPr>
           <a:xfrm>
             <a:off x="716902" y="1616314"/>
-            <a:ext cx="4665421" cy="3069988"/>
+            <a:ext cx="3620798" cy="3069988"/>
           </a:xfrm>
           <a:prstGeom prst="rect">
             <a:avLst/>
@@ -4641,58 +4674,27 @@
           <a:bodyPr/>
           <a:lstStyle/>
           <a:p>
-            <a:pPr marL="0" indent="0" defTabSz="832104">
-              <a:buClrTx/>
-              <a:buSzTx/>
-              <a:buFontTx/>
-              <a:buNone/>
-              <a:defRPr b="1" sz="1638"/>
-            </a:pPr>
-            <a:r>
-              <a:t>In </a:t>
-            </a:r>
-            <a:r>
-              <a:rPr i="1"/>
-              <a:t>The Squid Game, </a:t>
-            </a:r>
-            <a:r>
-              <a:t>the old man provides useful advice that helps his team win the tug of war game. This is an example of coaching.</a:t>
-            </a:r>
-          </a:p>
-          <a:p>
-            <a:pPr marL="273718" indent="-273718" defTabSz="832104">
+            <a:pPr marL="300789" indent="-300789">
               <a:buClrTx/>
               <a:buSzPct val="100000"/>
               <a:buFontTx/>
               <a:buAutoNum type="alphaUcPeriod" startAt="1"/>
-              <a:defRPr b="1" sz="1638"/>
+              <a:defRPr b="1"/>
             </a:pPr>
             <a:r>
-              <a:t>Describe an experience where you’ve been “coached”. This could be in school, a sports team, or somewhere else.</a:t>
-            </a:r>
-          </a:p>
-          <a:p>
-            <a:pPr marL="273718" indent="-273718" defTabSz="832104">
+              <a:t>What was your experience like having two coaches in the room yesterday?</a:t>
+            </a:r>
+          </a:p>
+          <a:p>
+            <a:pPr marL="300789" indent="-300789">
               <a:buClrTx/>
               <a:buSzPct val="100000"/>
               <a:buFontTx/>
               <a:buAutoNum type="alphaUcPeriod" startAt="1"/>
-              <a:defRPr b="1" sz="1638"/>
+              <a:defRPr b="1"/>
             </a:pPr>
             <a:r>
-              <a:t>How was the coach in this experience effective in helping you do better?</a:t>
-            </a:r>
-          </a:p>
-          <a:p>
-            <a:pPr marL="273718" indent="-273718" defTabSz="832104">
-              <a:buClrTx/>
-              <a:buSzPct val="100000"/>
-              <a:buFontTx/>
-              <a:buAutoNum type="alphaUcPeriod" startAt="1"/>
-              <a:defRPr b="1" sz="1638"/>
-            </a:pPr>
-            <a:r>
-              <a:t>How could this example be applied to coding?</a:t>
+              <a:t>Do you think the coaches did a good job of meeting their expectations?</a:t>
             </a:r>
           </a:p>
         </p:txBody>
@@ -4706,7 +4708,7 @@
         <p:spPr>
           <a:xfrm>
             <a:off x="1501659" y="500360"/>
-            <a:ext cx="7302727" cy="1059082"/>
+            <a:ext cx="7302727" cy="1049557"/>
           </a:xfrm>
           <a:prstGeom prst="rect">
             <a:avLst/>
@@ -4816,8 +4818,8 @@
         </p:blipFill>
         <p:spPr>
           <a:xfrm>
-            <a:off x="5625994" y="1676661"/>
-            <a:ext cx="3187502" cy="1570437"/>
+            <a:off x="918477" y="3789760"/>
+            <a:ext cx="1819979" cy="896678"/>
           </a:xfrm>
           <a:prstGeom prst="rect">
             <a:avLst/>
@@ -4827,6 +4829,202 @@
           </a:ln>
         </p:spPr>
       </p:pic>
+      <p:sp>
+        <p:nvSpPr>
+          <p:cNvPr id="154" name="Coaches should...…"/>
+          <p:cNvSpPr txBox="1"/>
+          <p:nvPr/>
+        </p:nvSpPr>
+        <p:spPr>
+          <a:xfrm>
+            <a:off x="5469519" y="1800090"/>
+            <a:ext cx="2927509" cy="2463402"/>
+          </a:xfrm>
+          <a:prstGeom prst="rect">
+            <a:avLst/>
+          </a:prstGeom>
+          <a:ln w="12700">
+            <a:solidFill>
+              <a:srgbClr val="000000"/>
+            </a:solidFill>
+            <a:miter lim="400000"/>
+          </a:ln>
+          <a:extLst>
+            <a:ext uri="{C572A759-6A51-4108-AA02-DFA0A04FC94B}">
+              <ma14:wrappingTextBoxFlag xmlns:ma14="http://schemas.microsoft.com/office/mac/drawingml/2011/main" val="1"/>
+            </a:ext>
+          </a:extLst>
+        </p:spPr>
+        <p:txBody>
+          <a:bodyPr lIns="91424" tIns="91424" rIns="91424" bIns="91424">
+            <a:normAutofit fontScale="100000" lnSpcReduction="0"/>
+          </a:bodyPr>
+          <a:lstStyle/>
+          <a:p>
+            <a:pPr defTabSz="621791">
+              <a:lnSpc>
+                <a:spcPct val="115000"/>
+              </a:lnSpc>
+              <a:defRPr sz="1224">
+                <a:solidFill>
+                  <a:srgbClr val="000000"/>
+                </a:solidFill>
+                <a:latin typeface="Lato"/>
+                <a:ea typeface="Lato"/>
+                <a:cs typeface="Lato"/>
+                <a:sym typeface="Lato"/>
+              </a:defRPr>
+            </a:pPr>
+          </a:p>
+          <a:p>
+            <a:pPr marL="163629" indent="-163629" defTabSz="621791">
+              <a:lnSpc>
+                <a:spcPct val="115000"/>
+              </a:lnSpc>
+              <a:buSzPct val="100000"/>
+              <a:buAutoNum type="arabicPeriod" startAt="1"/>
+              <a:defRPr sz="1224">
+                <a:solidFill>
+                  <a:srgbClr val="000000"/>
+                </a:solidFill>
+                <a:latin typeface="Lato"/>
+                <a:ea typeface="Lato"/>
+                <a:cs typeface="Lato"/>
+                <a:sym typeface="Lato"/>
+              </a:defRPr>
+            </a:pPr>
+            <a:r>
+              <a:t>Coaches should...</a:t>
+            </a:r>
+          </a:p>
+          <a:p>
+            <a:pPr lvl="1" marL="636336" indent="-204536" defTabSz="621791">
+              <a:lnSpc>
+                <a:spcPct val="115000"/>
+              </a:lnSpc>
+              <a:buSzPct val="100000"/>
+              <a:buAutoNum type="alphaUcPeriod" startAt="1"/>
+              <a:defRPr sz="1224">
+                <a:solidFill>
+                  <a:srgbClr val="000000"/>
+                </a:solidFill>
+                <a:latin typeface="Lato"/>
+                <a:ea typeface="Lato"/>
+                <a:cs typeface="Lato"/>
+                <a:sym typeface="Lato"/>
+              </a:defRPr>
+            </a:pPr>
+            <a:r>
+              <a:t>Answer student questions.</a:t>
+            </a:r>
+          </a:p>
+          <a:p>
+            <a:pPr lvl="1" marL="636336" indent="-204536" defTabSz="621791">
+              <a:lnSpc>
+                <a:spcPct val="115000"/>
+              </a:lnSpc>
+              <a:buSzPct val="100000"/>
+              <a:buAutoNum type="alphaUcPeriod" startAt="1"/>
+              <a:defRPr sz="1224">
+                <a:solidFill>
+                  <a:srgbClr val="000000"/>
+                </a:solidFill>
+                <a:latin typeface="Lato"/>
+                <a:ea typeface="Lato"/>
+                <a:cs typeface="Lato"/>
+                <a:sym typeface="Lato"/>
+              </a:defRPr>
+            </a:pPr>
+            <a:r>
+              <a:t>Provide hints.</a:t>
+            </a:r>
+          </a:p>
+          <a:p>
+            <a:pPr marL="163629" indent="-163629" defTabSz="621791">
+              <a:lnSpc>
+                <a:spcPct val="115000"/>
+              </a:lnSpc>
+              <a:buSzPct val="100000"/>
+              <a:buAutoNum type="arabicPeriod" startAt="1"/>
+              <a:defRPr sz="1224">
+                <a:solidFill>
+                  <a:srgbClr val="000000"/>
+                </a:solidFill>
+                <a:latin typeface="Lato"/>
+                <a:ea typeface="Lato"/>
+                <a:cs typeface="Lato"/>
+                <a:sym typeface="Lato"/>
+              </a:defRPr>
+            </a:pPr>
+            <a:r>
+              <a:t>Coaches shouldn’t...</a:t>
+            </a:r>
+          </a:p>
+          <a:p>
+            <a:pPr lvl="1" marL="381802" indent="-122722" defTabSz="621791">
+              <a:lnSpc>
+                <a:spcPct val="115000"/>
+              </a:lnSpc>
+              <a:buSzPct val="100000"/>
+              <a:buChar char="•"/>
+              <a:defRPr sz="1224">
+                <a:solidFill>
+                  <a:srgbClr val="000000"/>
+                </a:solidFill>
+                <a:latin typeface="Lato"/>
+                <a:ea typeface="Lato"/>
+                <a:cs typeface="Lato"/>
+                <a:sym typeface="Lato"/>
+              </a:defRPr>
+            </a:pPr>
+            <a:r>
+              <a:t>Talk to one student for for than a few minutes.</a:t>
+            </a:r>
+          </a:p>
+          <a:p>
+            <a:pPr lvl="1" marL="381802" indent="-122722" defTabSz="621791">
+              <a:lnSpc>
+                <a:spcPct val="115000"/>
+              </a:lnSpc>
+              <a:buSzPct val="100000"/>
+              <a:buChar char="•"/>
+              <a:defRPr sz="1224">
+                <a:solidFill>
+                  <a:srgbClr val="000000"/>
+                </a:solidFill>
+                <a:latin typeface="Lato"/>
+                <a:ea typeface="Lato"/>
+                <a:cs typeface="Lato"/>
+                <a:sym typeface="Lato"/>
+              </a:defRPr>
+            </a:pPr>
+            <a:r>
+              <a:t>Touch other students keyboards. Ever.</a:t>
+            </a:r>
+          </a:p>
+          <a:p>
+            <a:pPr lvl="1" marL="381802" indent="-122722" defTabSz="621791">
+              <a:lnSpc>
+                <a:spcPct val="115000"/>
+              </a:lnSpc>
+              <a:buSzPct val="100000"/>
+              <a:buChar char="•"/>
+              <a:defRPr sz="1224">
+                <a:solidFill>
+                  <a:srgbClr val="000000"/>
+                </a:solidFill>
+                <a:latin typeface="Lato"/>
+                <a:ea typeface="Lato"/>
+                <a:cs typeface="Lato"/>
+                <a:sym typeface="Lato"/>
+              </a:defRPr>
+            </a:pPr>
+            <a:r>
+              <a:t>Just tell students exactly what to do.</a:t>
+            </a:r>
+          </a:p>
+        </p:txBody>
+      </p:sp>
     </p:spTree>
   </p:cSld>
   <p:clrMapOvr>
@@ -4978,7 +5176,7 @@
                             </p:stCondLst>
                             <p:childTnLst>
                               <p:par>
-                                <p:cTn id="15" presetClass="entr" nodeType="clickEffect" presetSubtype="0" presetID="1" grpId="1" fill="hold">
+                                <p:cTn id="15" presetClass="entr" nodeType="clickEffect" presetSubtype="0" presetID="1" grpId="2" fill="hold">
                                   <p:stCondLst>
                                     <p:cond delay="0"/>
                                   </p:stCondLst>
@@ -4990,7 +5188,131 @@
                                       <p:cBhvr>
                                         <p:cTn id="16" fill="hold"/>
                                         <p:tgtEl>
-                                          <p:spTgt spid="151">
+                                          <p:spTgt spid="154">
+                                            <p:bg/>
+                                          </p:spTgt>
+                                        </p:tgtEl>
+                                        <p:attrNameLst>
+                                          <p:attrName>style.visibility</p:attrName>
+                                        </p:attrNameLst>
+                                      </p:cBhvr>
+                                      <p:to>
+                                        <p:strVal val="visible"/>
+                                      </p:to>
+                                    </p:set>
+                                  </p:childTnLst>
+                                </p:cTn>
+                              </p:par>
+                              <p:par>
+                                <p:cTn id="17" presetClass="entr" nodeType="withEffect" presetSubtype="0" presetID="1" grpId="2" fill="hold">
+                                  <p:stCondLst>
+                                    <p:cond delay="0"/>
+                                  </p:stCondLst>
+                                  <p:iterate type="el" backwards="0">
+                                    <p:tmAbs val="0"/>
+                                  </p:iterate>
+                                  <p:childTnLst>
+                                    <p:set>
+                                      <p:cBhvr>
+                                        <p:cTn id="18" fill="hold"/>
+                                        <p:tgtEl>
+                                          <p:spTgt spid="154">
+                                            <p:txEl>
+                                              <p:pRg st="0" end="0"/>
+                                            </p:txEl>
+                                          </p:spTgt>
+                                        </p:tgtEl>
+                                        <p:attrNameLst>
+                                          <p:attrName>style.visibility</p:attrName>
+                                        </p:attrNameLst>
+                                      </p:cBhvr>
+                                      <p:to>
+                                        <p:strVal val="visible"/>
+                                      </p:to>
+                                    </p:set>
+                                  </p:childTnLst>
+                                </p:cTn>
+                              </p:par>
+                            </p:childTnLst>
+                          </p:cTn>
+                        </p:par>
+                      </p:childTnLst>
+                    </p:cTn>
+                  </p:par>
+                  <p:par>
+                    <p:cTn id="19" fill="hold">
+                      <p:stCondLst>
+                        <p:cond delay="indefinite"/>
+                      </p:stCondLst>
+                      <p:childTnLst>
+                        <p:par>
+                          <p:cTn id="20" fill="hold">
+                            <p:stCondLst>
+                              <p:cond delay="0"/>
+                            </p:stCondLst>
+                            <p:childTnLst>
+                              <p:par>
+                                <p:cTn id="21" presetClass="entr" nodeType="clickEffect" presetSubtype="0" presetID="1" grpId="2" fill="hold">
+                                  <p:stCondLst>
+                                    <p:cond delay="0"/>
+                                  </p:stCondLst>
+                                  <p:iterate type="el" backwards="0">
+                                    <p:tmAbs val="0"/>
+                                  </p:iterate>
+                                  <p:childTnLst>
+                                    <p:set>
+                                      <p:cBhvr>
+                                        <p:cTn id="22" fill="hold"/>
+                                        <p:tgtEl>
+                                          <p:spTgt spid="154">
+                                            <p:txEl>
+                                              <p:pRg st="1" end="1"/>
+                                            </p:txEl>
+                                          </p:spTgt>
+                                        </p:tgtEl>
+                                        <p:attrNameLst>
+                                          <p:attrName>style.visibility</p:attrName>
+                                        </p:attrNameLst>
+                                      </p:cBhvr>
+                                      <p:to>
+                                        <p:strVal val="visible"/>
+                                      </p:to>
+                                    </p:set>
+                                  </p:childTnLst>
+                                </p:cTn>
+                              </p:par>
+                            </p:childTnLst>
+                          </p:cTn>
+                        </p:par>
+                      </p:childTnLst>
+                    </p:cTn>
+                  </p:par>
+                  <p:par>
+                    <p:cTn id="23" fill="hold">
+                      <p:stCondLst>
+                        <p:cond delay="indefinite"/>
+                      </p:stCondLst>
+                      <p:childTnLst>
+                        <p:par>
+                          <p:cTn id="24" fill="hold">
+                            <p:stCondLst>
+                              <p:cond delay="0"/>
+                            </p:stCondLst>
+                            <p:childTnLst>
+                              <p:par>
+                                <p:cTn id="25" presetClass="entr" nodeType="clickEffect" presetSubtype="0" presetID="1" grpId="2" fill="hold">
+                                  <p:stCondLst>
+                                    <p:cond delay="0"/>
+                                  </p:stCondLst>
+                                  <p:iterate type="el" backwards="0">
+                                    <p:tmAbs val="0"/>
+                                  </p:iterate>
+                                  <p:childTnLst>
+                                    <p:set>
+                                      <p:cBhvr>
+                                        <p:cTn id="26" fill="hold"/>
+                                        <p:tgtEl>
+                                          <p:spTgt spid="154">
                                             <p:txEl>
                                               <p:pRg st="2" end="2"/>
                                             </p:txEl>
@@ -5014,19 +5336,19 @@
                     </p:cTn>
                   </p:par>
                   <p:par>
-                    <p:cTn id="17" fill="hold">
+                    <p:cTn id="27" fill="hold">
                       <p:stCondLst>
                         <p:cond delay="indefinite"/>
                       </p:stCondLst>
                       <p:childTnLst>
                         <p:par>
-                          <p:cTn id="18" fill="hold">
+                          <p:cTn id="28" fill="hold">
                             <p:stCondLst>
                               <p:cond delay="0"/>
                             </p:stCondLst>
                             <p:childTnLst>
                               <p:par>
-                                <p:cTn id="19" presetClass="entr" nodeType="clickEffect" presetSubtype="0" presetID="1" grpId="1" fill="hold">
+                                <p:cTn id="29" presetClass="entr" nodeType="clickEffect" presetSubtype="0" presetID="1" grpId="2" fill="hold">
                                   <p:stCondLst>
                                     <p:cond delay="0"/>
                                   </p:stCondLst>
@@ -5036,11 +5358,203 @@
                                   <p:childTnLst>
                                     <p:set>
                                       <p:cBhvr>
-                                        <p:cTn id="20" fill="hold"/>
+                                        <p:cTn id="30" fill="hold"/>
                                         <p:tgtEl>
-                                          <p:spTgt spid="151">
+                                          <p:spTgt spid="154">
                                             <p:txEl>
                                               <p:pRg st="3" end="3"/>
+                                            </p:txEl>
+                                          </p:spTgt>
+                                        </p:tgtEl>
+                                        <p:attrNameLst>
+                                          <p:attrName>style.visibility</p:attrName>
+                                        </p:attrNameLst>
+                                      </p:cBhvr>
+                                      <p:to>
+                                        <p:strVal val="visible"/>
+                                      </p:to>
+                                    </p:set>
+                                  </p:childTnLst>
+                                </p:cTn>
+                              </p:par>
+                            </p:childTnLst>
+                          </p:cTn>
+                        </p:par>
+                      </p:childTnLst>
+                    </p:cTn>
+                  </p:par>
+                  <p:par>
+                    <p:cTn id="31" fill="hold">
+                      <p:stCondLst>
+                        <p:cond delay="indefinite"/>
+                      </p:stCondLst>
+                      <p:childTnLst>
+                        <p:par>
+                          <p:cTn id="32" fill="hold">
+                            <p:stCondLst>
+                              <p:cond delay="0"/>
+                            </p:stCondLst>
+                            <p:childTnLst>
+                              <p:par>
+                                <p:cTn id="33" presetClass="entr" nodeType="clickEffect" presetSubtype="0" presetID="1" grpId="2" fill="hold">
+                                  <p:stCondLst>
+                                    <p:cond delay="0"/>
+                                  </p:stCondLst>
+                                  <p:iterate type="el" backwards="0">
+                                    <p:tmAbs val="0"/>
+                                  </p:iterate>
+                                  <p:childTnLst>
+                                    <p:set>
+                                      <p:cBhvr>
+                                        <p:cTn id="34" fill="hold"/>
+                                        <p:tgtEl>
+                                          <p:spTgt spid="154">
+                                            <p:txEl>
+                                              <p:pRg st="4" end="4"/>
+                                            </p:txEl>
+                                          </p:spTgt>
+                                        </p:tgtEl>
+                                        <p:attrNameLst>
+                                          <p:attrName>style.visibility</p:attrName>
+                                        </p:attrNameLst>
+                                      </p:cBhvr>
+                                      <p:to>
+                                        <p:strVal val="visible"/>
+                                      </p:to>
+                                    </p:set>
+                                  </p:childTnLst>
+                                </p:cTn>
+                              </p:par>
+                            </p:childTnLst>
+                          </p:cTn>
+                        </p:par>
+                      </p:childTnLst>
+                    </p:cTn>
+                  </p:par>
+                  <p:par>
+                    <p:cTn id="35" fill="hold">
+                      <p:stCondLst>
+                        <p:cond delay="indefinite"/>
+                      </p:stCondLst>
+                      <p:childTnLst>
+                        <p:par>
+                          <p:cTn id="36" fill="hold">
+                            <p:stCondLst>
+                              <p:cond delay="0"/>
+                            </p:stCondLst>
+                            <p:childTnLst>
+                              <p:par>
+                                <p:cTn id="37" presetClass="entr" nodeType="clickEffect" presetSubtype="0" presetID="1" grpId="2" fill="hold">
+                                  <p:stCondLst>
+                                    <p:cond delay="0"/>
+                                  </p:stCondLst>
+                                  <p:iterate type="el" backwards="0">
+                                    <p:tmAbs val="0"/>
+                                  </p:iterate>
+                                  <p:childTnLst>
+                                    <p:set>
+                                      <p:cBhvr>
+                                        <p:cTn id="38" fill="hold"/>
+                                        <p:tgtEl>
+                                          <p:spTgt spid="154">
+                                            <p:txEl>
+                                              <p:pRg st="5" end="5"/>
+                                            </p:txEl>
+                                          </p:spTgt>
+                                        </p:tgtEl>
+                                        <p:attrNameLst>
+                                          <p:attrName>style.visibility</p:attrName>
+                                        </p:attrNameLst>
+                                      </p:cBhvr>
+                                      <p:to>
+                                        <p:strVal val="visible"/>
+                                      </p:to>
+                                    </p:set>
+                                  </p:childTnLst>
+                                </p:cTn>
+                              </p:par>
+                            </p:childTnLst>
+                          </p:cTn>
+                        </p:par>
+                      </p:childTnLst>
+                    </p:cTn>
+                  </p:par>
+                  <p:par>
+                    <p:cTn id="39" fill="hold">
+                      <p:stCondLst>
+                        <p:cond delay="indefinite"/>
+                      </p:stCondLst>
+                      <p:childTnLst>
+                        <p:par>
+                          <p:cTn id="40" fill="hold">
+                            <p:stCondLst>
+                              <p:cond delay="0"/>
+                            </p:stCondLst>
+                            <p:childTnLst>
+                              <p:par>
+                                <p:cTn id="41" presetClass="entr" nodeType="clickEffect" presetSubtype="0" presetID="1" grpId="2" fill="hold">
+                                  <p:stCondLst>
+                                    <p:cond delay="0"/>
+                                  </p:stCondLst>
+                                  <p:iterate type="el" backwards="0">
+                                    <p:tmAbs val="0"/>
+                                  </p:iterate>
+                                  <p:childTnLst>
+                                    <p:set>
+                                      <p:cBhvr>
+                                        <p:cTn id="42" fill="hold"/>
+                                        <p:tgtEl>
+                                          <p:spTgt spid="154">
+                                            <p:txEl>
+                                              <p:pRg st="6" end="6"/>
+                                            </p:txEl>
+                                          </p:spTgt>
+                                        </p:tgtEl>
+                                        <p:attrNameLst>
+                                          <p:attrName>style.visibility</p:attrName>
+                                        </p:attrNameLst>
+                                      </p:cBhvr>
+                                      <p:to>
+                                        <p:strVal val="visible"/>
+                                      </p:to>
+                                    </p:set>
+                                  </p:childTnLst>
+                                </p:cTn>
+                              </p:par>
+                            </p:childTnLst>
+                          </p:cTn>
+                        </p:par>
+                      </p:childTnLst>
+                    </p:cTn>
+                  </p:par>
+                  <p:par>
+                    <p:cTn id="43" fill="hold">
+                      <p:stCondLst>
+                        <p:cond delay="indefinite"/>
+                      </p:stCondLst>
+                      <p:childTnLst>
+                        <p:par>
+                          <p:cTn id="44" fill="hold">
+                            <p:stCondLst>
+                              <p:cond delay="0"/>
+                            </p:stCondLst>
+                            <p:childTnLst>
+                              <p:par>
+                                <p:cTn id="45" presetClass="entr" nodeType="clickEffect" presetSubtype="0" presetID="1" grpId="2" fill="hold">
+                                  <p:stCondLst>
+                                    <p:cond delay="0"/>
+                                  </p:stCondLst>
+                                  <p:iterate type="el" backwards="0">
+                                    <p:tmAbs val="0"/>
+                                  </p:iterate>
+                                  <p:childTnLst>
+                                    <p:set>
+                                      <p:cBhvr>
+                                        <p:cTn id="46" fill="hold"/>
+                                        <p:tgtEl>
+                                          <p:spTgt spid="154">
+                                            <p:txEl>
+                                              <p:pRg st="7" end="7"/>
                                             </p:txEl>
                                           </p:spTgt>
                                         </p:tgtEl>
@@ -5083,6 +5597,7 @@
       </p:par>
     </p:tnLst>
     <p:bldLst>
+      <p:bldP build="p" bldLvl="5" animBg="1" rev="0" advAuto="0" spid="154" grpId="2"/>
       <p:bldP build="p" bldLvl="5" animBg="1" rev="0" advAuto="0" spid="151" grpId="1"/>
     </p:bldLst>
   </p:timing>
@@ -5108,146 +5623,395 @@
       </p:grpSpPr>
       <p:sp>
         <p:nvSpPr>
-          <p:cNvPr id="157" name="Coaches"/>
+          <p:cNvPr id="158" name="Google Shape;82;p14"/>
           <p:cNvSpPr txBox="1"/>
           <p:nvPr>
-            <p:ph type="title"/>
+            <p:ph type="body" sz="quarter" idx="1"/>
           </p:nvPr>
         </p:nvSpPr>
         <p:spPr>
+          <a:xfrm>
+            <a:off x="716902" y="1616314"/>
+            <a:ext cx="3050354" cy="3002401"/>
+          </a:xfrm>
           <a:prstGeom prst="rect">
             <a:avLst/>
           </a:prstGeom>
         </p:spPr>
         <p:txBody>
           <a:bodyPr/>
-          <a:lstStyle>
-            <a:lvl1pPr defTabSz="886968">
-              <a:defRPr sz="2910"/>
-            </a:lvl1pPr>
-          </a:lstStyle>
-          <a:p>
-            <a:pPr/>
-            <a:r>
-              <a:t>Coaches </a:t>
+          <a:lstStyle/>
+          <a:p>
+            <a:pPr marL="300789" indent="-300789">
+              <a:buClrTx/>
+              <a:buSzPct val="100000"/>
+              <a:buFontTx/>
+              <a:buAutoNum type="alphaUcPeriod" startAt="1"/>
+              <a:defRPr b="1"/>
+            </a:pPr>
+            <a:r>
+              <a:t>Find your </a:t>
+            </a:r>
+            <a:r>
+              <a:rPr i="1" u="sng"/>
+              <a:t>assigned</a:t>
+            </a:r>
+            <a:r>
+              <a:t> seat (ask Dr. O’Brien)</a:t>
+            </a:r>
+          </a:p>
+          <a:p>
+            <a:pPr marL="300789" indent="-300789">
+              <a:buClrTx/>
+              <a:buSzPct val="100000"/>
+              <a:buFontTx/>
+              <a:buAutoNum type="alphaUcPeriod" startAt="1"/>
+              <a:defRPr b="1"/>
+            </a:pPr>
+            <a:r>
+              <a:t>Read through the MP1 requirements to the right.</a:t>
+            </a:r>
+          </a:p>
+          <a:p>
+            <a:pPr marL="300789" indent="-300789">
+              <a:buClrTx/>
+              <a:buSzPct val="100000"/>
+              <a:buFontTx/>
+              <a:buAutoNum type="alphaUcPeriod" startAt="1"/>
+              <a:defRPr b="1"/>
+            </a:pPr>
+            <a:r>
+              <a:t>Begin work! Raise your hand quietly if you have any questions</a:t>
             </a:r>
           </a:p>
         </p:txBody>
       </p:sp>
       <p:sp>
         <p:nvSpPr>
-          <p:cNvPr id="158" name="Today (and every day until MP1 ends) Dr. O’Brien will select two coaches.…"/>
+          <p:cNvPr id="159" name="Google Shape;118;p19"/>
           <p:cNvSpPr txBox="1"/>
-          <p:nvPr>
-            <p:ph type="body" idx="1"/>
-          </p:nvPr>
+          <p:nvPr/>
         </p:nvSpPr>
         <p:spPr>
+          <a:xfrm>
+            <a:off x="1542227" y="500360"/>
+            <a:ext cx="7302727" cy="810604"/>
+          </a:xfrm>
           <a:prstGeom prst="rect">
             <a:avLst/>
           </a:prstGeom>
+          <a:solidFill>
+            <a:srgbClr val="FFFFFF"/>
+          </a:solidFill>
+          <a:ln w="25400">
+            <a:solidFill>
+              <a:schemeClr val="accent1"/>
+            </a:solidFill>
+          </a:ln>
+          <a:extLst>
+            <a:ext uri="{C572A759-6A51-4108-AA02-DFA0A04FC94B}">
+              <ma14:wrappingTextBoxFlag xmlns:ma14="http://schemas.microsoft.com/office/mac/drawingml/2011/main" val="1"/>
+            </a:ext>
+          </a:extLst>
         </p:spPr>
         <p:txBody>
-          <a:bodyPr/>
+          <a:bodyPr lIns="91423" tIns="91423" rIns="91423" bIns="91423">
+            <a:normAutofit fontScale="100000" lnSpcReduction="0"/>
+          </a:bodyPr>
           <a:lstStyle/>
           <a:p>
-            <a:pPr marL="233412" indent="-233412" defTabSz="886968">
-              <a:buClrTx/>
-              <a:buSzPct val="100000"/>
-              <a:buFontTx/>
-              <a:buAutoNum type="arabicPeriod" startAt="1"/>
-              <a:defRPr sz="1746"/>
+            <a:pPr>
+              <a:defRPr sz="2400"/>
             </a:pPr>
             <a:r>
-              <a:t>Today (and every day until MP1 ends) Dr. O’Brien will select two coaches.</a:t>
-            </a:r>
-          </a:p>
-          <a:p>
-            <a:pPr marL="233412" indent="-233412" defTabSz="886968">
-              <a:buClrTx/>
-              <a:buSzPct val="100000"/>
-              <a:buFontTx/>
-              <a:buAutoNum type="arabicPeriod" startAt="1"/>
-              <a:defRPr sz="1746"/>
+              <a:t>The rest of the day</a:t>
+            </a:r>
+          </a:p>
+          <a:p>
+            <a:pPr>
+              <a:defRPr>
+                <a:solidFill>
+                  <a:schemeClr val="accent3">
+                    <a:lumOff val="-9098"/>
+                  </a:schemeClr>
+                </a:solidFill>
+                <a:latin typeface="+mj-lt"/>
+                <a:ea typeface="+mj-ea"/>
+                <a:cs typeface="+mj-cs"/>
+                <a:sym typeface="Helvetica"/>
+              </a:defRPr>
             </a:pPr>
             <a:r>
-              <a:t>Coaches should...</a:t>
-            </a:r>
-          </a:p>
-          <a:p>
-            <a:pPr lvl="1" marL="907715" indent="-291765" defTabSz="886968">
-              <a:buClrTx/>
-              <a:buSzPct val="100000"/>
-              <a:buFontTx/>
-              <a:buAutoNum type="alphaUcPeriod" startAt="1"/>
-              <a:defRPr sz="1746"/>
-            </a:pPr>
-            <a:r>
-              <a:t>Answer student questions.</a:t>
-            </a:r>
-          </a:p>
-          <a:p>
-            <a:pPr lvl="1" marL="907715" indent="-291765" defTabSz="886968">
-              <a:buClrTx/>
-              <a:buSzPct val="100000"/>
-              <a:buFontTx/>
-              <a:buAutoNum type="alphaUcPeriod" startAt="1"/>
-              <a:defRPr sz="1746"/>
-            </a:pPr>
-            <a:r>
-              <a:t>Provide hints.</a:t>
-            </a:r>
-          </a:p>
-          <a:p>
-            <a:pPr marL="233412" indent="-233412" defTabSz="886968">
-              <a:buClrTx/>
-              <a:buSzPct val="100000"/>
-              <a:buFontTx/>
-              <a:buAutoNum type="arabicPeriod" startAt="1"/>
-              <a:defRPr sz="1746"/>
-            </a:pPr>
-            <a:r>
-              <a:t>Coaches shouldn’t...</a:t>
-            </a:r>
-          </a:p>
-          <a:p>
-            <a:pPr lvl="1" marL="544629" indent="-175059" defTabSz="886968">
-              <a:buClrTx/>
-              <a:buSzPct val="100000"/>
-              <a:buFontTx/>
-              <a:buChar char="•"/>
-              <a:defRPr sz="1746"/>
-            </a:pPr>
-            <a:r>
-              <a:t>Talk to one student for for than a few minutes.</a:t>
-            </a:r>
-          </a:p>
-          <a:p>
-            <a:pPr lvl="1" marL="544629" indent="-175059" defTabSz="886968">
-              <a:buClrTx/>
-              <a:buSzPct val="100000"/>
-              <a:buFontTx/>
-              <a:buChar char="•"/>
-              <a:defRPr sz="1746"/>
-            </a:pPr>
-            <a:r>
-              <a:t>Touch other students keyboards. Ever.</a:t>
-            </a:r>
-          </a:p>
-          <a:p>
-            <a:pPr lvl="1" marL="544629" indent="-175059" defTabSz="886968">
-              <a:buClrTx/>
-              <a:buSzPct val="100000"/>
-              <a:buFontTx/>
-              <a:buChar char="•"/>
-              <a:defRPr sz="1746"/>
-            </a:pPr>
-            <a:r>
-              <a:t>Just tell students exactly what to do.</a:t>
+              <a:rPr>
+                <a:solidFill>
+                  <a:schemeClr val="accent5"/>
+                </a:solidFill>
+              </a:rPr>
+              <a:t>be sure to:</a:t>
+            </a:r>
+            <a:r>
+              <a:rPr>
+                <a:solidFill>
+                  <a:schemeClr val="accent5">
+                    <a:lumOff val="-9843"/>
+                  </a:schemeClr>
+                </a:solidFill>
+              </a:rPr>
+              <a:t> </a:t>
+            </a:r>
+            <a:r>
+              <a:rPr>
+                <a:solidFill>
+                  <a:schemeClr val="accent1"/>
+                </a:solidFill>
+              </a:rPr>
+              <a:t>find your </a:t>
+            </a:r>
+            <a:r>
+              <a:rPr b="1">
+                <a:solidFill>
+                  <a:schemeClr val="accent1"/>
+                </a:solidFill>
+              </a:rPr>
+              <a:t>assigned </a:t>
+            </a:r>
+            <a:r>
+              <a:rPr>
+                <a:solidFill>
+                  <a:schemeClr val="accent1"/>
+                </a:solidFill>
+              </a:rPr>
+              <a:t>seat.  Log in to CodeHS. Begin work!</a:t>
             </a:r>
           </a:p>
         </p:txBody>
       </p:sp>
+      <p:sp>
+        <p:nvSpPr>
+          <p:cNvPr id="160" name="MP1 requirements:…"/>
+          <p:cNvSpPr txBox="1"/>
+          <p:nvPr/>
+        </p:nvSpPr>
+        <p:spPr>
+          <a:xfrm>
+            <a:off x="4980692" y="1382973"/>
+            <a:ext cx="3850828" cy="1605423"/>
+          </a:xfrm>
+          <a:prstGeom prst="rect">
+            <a:avLst/>
+          </a:prstGeom>
+          <a:ln w="12700">
+            <a:solidFill>
+              <a:srgbClr val="000000"/>
+            </a:solidFill>
+            <a:miter lim="400000"/>
+          </a:ln>
+          <a:extLst>
+            <a:ext uri="{C572A759-6A51-4108-AA02-DFA0A04FC94B}">
+              <ma14:wrappingTextBoxFlag xmlns:ma14="http://schemas.microsoft.com/office/mac/drawingml/2011/main" val="1"/>
+            </a:ext>
+          </a:extLst>
+        </p:spPr>
+        <p:txBody>
+          <a:bodyPr lIns="0" tIns="0" rIns="0" bIns="0">
+            <a:spAutoFit/>
+          </a:bodyPr>
+          <a:lstStyle/>
+          <a:p>
+            <a:pPr>
+              <a:defRPr sz="1800">
+                <a:solidFill>
+                  <a:srgbClr val="012F7B"/>
+                </a:solidFill>
+              </a:defRPr>
+            </a:pPr>
+            <a:r>
+              <a:t>MP1 requirements:</a:t>
+            </a:r>
+          </a:p>
+          <a:p>
+            <a:pPr marL="240631" indent="-240631">
+              <a:buSzPct val="100000"/>
+              <a:buAutoNum type="arabicPeriod" startAt="1"/>
+              <a:defRPr sz="1800"/>
+            </a:pPr>
+            <a:r>
+              <a:rPr u="sng">
+                <a:solidFill>
+                  <a:srgbClr val="012F7B"/>
+                </a:solidFill>
+              </a:rPr>
+              <a:t>Try</a:t>
+            </a:r>
+            <a:r>
+              <a:t> to complete all CodeHS Lessons, Unit 2</a:t>
+            </a:r>
+          </a:p>
+          <a:p>
+            <a:pPr marL="240631" indent="-240631">
+              <a:buSzPct val="100000"/>
+              <a:buAutoNum type="arabicPeriod" startAt="1"/>
+              <a:defRPr sz="1800"/>
+            </a:pPr>
+            <a:r>
+              <a:t>Complete Assessment #1</a:t>
+            </a:r>
+          </a:p>
+          <a:p>
+            <a:pPr marL="240631" indent="-240631">
+              <a:buSzPct val="100000"/>
+              <a:buAutoNum type="arabicPeriod" startAt="1"/>
+              <a:defRPr sz="1800"/>
+            </a:pPr>
+            <a:r>
+              <a:t>Complete Turtle Art project (Assessment #2)</a:t>
+            </a:r>
+          </a:p>
+        </p:txBody>
+      </p:sp>
+      <p:grpSp>
+        <p:nvGrpSpPr>
+          <p:cNvPr id="165" name="Group"/>
+          <p:cNvGrpSpPr/>
+          <p:nvPr/>
+        </p:nvGrpSpPr>
+        <p:grpSpPr>
+          <a:xfrm>
+            <a:off x="6683857" y="3047705"/>
+            <a:ext cx="2152744" cy="1535793"/>
+            <a:chOff x="0" y="0"/>
+            <a:chExt cx="2152743" cy="1535791"/>
+          </a:xfrm>
+        </p:grpSpPr>
+        <p:pic>
+          <p:nvPicPr>
+            <p:cNvPr id="161" name="Google Shape;83;p14" descr="Google Shape;83;p14"/>
+            <p:cNvPicPr>
+              <a:picLocks noChangeAspect="1"/>
+            </p:cNvPicPr>
+            <p:nvPr/>
+          </p:nvPicPr>
+          <p:blipFill>
+            <a:blip r:embed="rId3">
+              <a:extLst/>
+            </a:blip>
+            <a:srcRect l="9391" t="8933" r="9844" b="30171"/>
+            <a:stretch>
+              <a:fillRect/>
+            </a:stretch>
+          </p:blipFill>
+          <p:spPr>
+            <a:xfrm>
+              <a:off x="1130418" y="788003"/>
+              <a:ext cx="976850" cy="736573"/>
+            </a:xfrm>
+            <a:prstGeom prst="rect">
+              <a:avLst/>
+            </a:prstGeom>
+            <a:ln w="12700" cap="flat">
+              <a:noFill/>
+              <a:miter lim="400000"/>
+            </a:ln>
+            <a:effectLst/>
+          </p:spPr>
+        </p:pic>
+        <p:pic>
+          <p:nvPicPr>
+            <p:cNvPr id="162" name="Google Shape;84;p14" descr="Google Shape;84;p14"/>
+            <p:cNvPicPr>
+              <a:picLocks noChangeAspect="1"/>
+            </p:cNvPicPr>
+            <p:nvPr/>
+          </p:nvPicPr>
+          <p:blipFill>
+            <a:blip r:embed="rId4">
+              <a:extLst/>
+            </a:blip>
+            <a:srcRect l="0" t="0" r="0" b="0"/>
+            <a:stretch>
+              <a:fillRect/>
+            </a:stretch>
+          </p:blipFill>
+          <p:spPr>
+            <a:xfrm>
+              <a:off x="1108519" y="0"/>
+              <a:ext cx="1044225" cy="764617"/>
+            </a:xfrm>
+            <a:prstGeom prst="rect">
+              <a:avLst/>
+            </a:prstGeom>
+            <a:ln w="12700" cap="flat">
+              <a:noFill/>
+              <a:miter lim="400000"/>
+            </a:ln>
+            <a:effectLst/>
+          </p:spPr>
+        </p:pic>
+        <p:pic>
+          <p:nvPicPr>
+            <p:cNvPr id="163" name="Google Shape;85;p14" descr="Google Shape;85;p14"/>
+            <p:cNvPicPr>
+              <a:picLocks noChangeAspect="1"/>
+            </p:cNvPicPr>
+            <p:nvPr/>
+          </p:nvPicPr>
+          <p:blipFill>
+            <a:blip r:embed="rId5">
+              <a:extLst/>
+            </a:blip>
+            <a:srcRect l="48724" t="0" r="0" b="24913"/>
+            <a:stretch>
+              <a:fillRect/>
+            </a:stretch>
+          </p:blipFill>
+          <p:spPr>
+            <a:xfrm>
+              <a:off x="0" y="0"/>
+              <a:ext cx="1036559" cy="759005"/>
+            </a:xfrm>
+            <a:prstGeom prst="rect">
+              <a:avLst/>
+            </a:prstGeom>
+            <a:ln w="12700" cap="flat">
+              <a:noFill/>
+              <a:miter lim="400000"/>
+            </a:ln>
+            <a:effectLst/>
+          </p:spPr>
+        </p:pic>
+        <p:pic>
+          <p:nvPicPr>
+            <p:cNvPr id="164" name="Google Shape;86;p14" descr="Google Shape;86;p14"/>
+            <p:cNvPicPr>
+              <a:picLocks noChangeAspect="1"/>
+            </p:cNvPicPr>
+            <p:nvPr/>
+          </p:nvPicPr>
+          <p:blipFill>
+            <a:blip r:embed="rId6">
+              <a:extLst/>
+            </a:blip>
+            <a:srcRect l="48724" t="0" r="0" b="39928"/>
+            <a:stretch>
+              <a:fillRect/>
+            </a:stretch>
+          </p:blipFill>
+          <p:spPr>
+            <a:xfrm>
+              <a:off x="0" y="776786"/>
+              <a:ext cx="1036559" cy="759006"/>
+            </a:xfrm>
+            <a:prstGeom prst="rect">
+              <a:avLst/>
+            </a:prstGeom>
+            <a:ln w="12700" cap="flat">
+              <a:noFill/>
+              <a:miter lim="400000"/>
+            </a:ln>
+            <a:effectLst/>
+          </p:spPr>
+        </p:pic>
+      </p:grpSp>
     </p:spTree>
   </p:cSld>
   <p:clrMapOvr>
@@ -5434,246 +6198,6 @@
                       </p:childTnLst>
                     </p:cTn>
                   </p:par>
-                  <p:par>
-                    <p:cTn id="17" fill="hold">
-                      <p:stCondLst>
-                        <p:cond delay="indefinite"/>
-                      </p:stCondLst>
-                      <p:childTnLst>
-                        <p:par>
-                          <p:cTn id="18" fill="hold">
-                            <p:stCondLst>
-                              <p:cond delay="0"/>
-                            </p:stCondLst>
-                            <p:childTnLst>
-                              <p:par>
-                                <p:cTn id="19" presetClass="entr" nodeType="clickEffect" presetSubtype="0" presetID="1" grpId="1" fill="hold">
-                                  <p:stCondLst>
-                                    <p:cond delay="0"/>
-                                  </p:stCondLst>
-                                  <p:iterate type="el" backwards="0">
-                                    <p:tmAbs val="0"/>
-                                  </p:iterate>
-                                  <p:childTnLst>
-                                    <p:set>
-                                      <p:cBhvr>
-                                        <p:cTn id="20" fill="hold"/>
-                                        <p:tgtEl>
-                                          <p:spTgt spid="158">
-                                            <p:txEl>
-                                              <p:pRg st="3" end="3"/>
-                                            </p:txEl>
-                                          </p:spTgt>
-                                        </p:tgtEl>
-                                        <p:attrNameLst>
-                                          <p:attrName>style.visibility</p:attrName>
-                                        </p:attrNameLst>
-                                      </p:cBhvr>
-                                      <p:to>
-                                        <p:strVal val="visible"/>
-                                      </p:to>
-                                    </p:set>
-                                  </p:childTnLst>
-                                </p:cTn>
-                              </p:par>
-                            </p:childTnLst>
-                          </p:cTn>
-                        </p:par>
-                      </p:childTnLst>
-                    </p:cTn>
-                  </p:par>
-                  <p:par>
-                    <p:cTn id="21" fill="hold">
-                      <p:stCondLst>
-                        <p:cond delay="indefinite"/>
-                      </p:stCondLst>
-                      <p:childTnLst>
-                        <p:par>
-                          <p:cTn id="22" fill="hold">
-                            <p:stCondLst>
-                              <p:cond delay="0"/>
-                            </p:stCondLst>
-                            <p:childTnLst>
-                              <p:par>
-                                <p:cTn id="23" presetClass="entr" nodeType="clickEffect" presetSubtype="0" presetID="1" grpId="1" fill="hold">
-                                  <p:stCondLst>
-                                    <p:cond delay="0"/>
-                                  </p:stCondLst>
-                                  <p:iterate type="el" backwards="0">
-                                    <p:tmAbs val="0"/>
-                                  </p:iterate>
-                                  <p:childTnLst>
-                                    <p:set>
-                                      <p:cBhvr>
-                                        <p:cTn id="24" fill="hold"/>
-                                        <p:tgtEl>
-                                          <p:spTgt spid="158">
-                                            <p:txEl>
-                                              <p:pRg st="4" end="4"/>
-                                            </p:txEl>
-                                          </p:spTgt>
-                                        </p:tgtEl>
-                                        <p:attrNameLst>
-                                          <p:attrName>style.visibility</p:attrName>
-                                        </p:attrNameLst>
-                                      </p:cBhvr>
-                                      <p:to>
-                                        <p:strVal val="visible"/>
-                                      </p:to>
-                                    </p:set>
-                                  </p:childTnLst>
-                                </p:cTn>
-                              </p:par>
-                            </p:childTnLst>
-                          </p:cTn>
-                        </p:par>
-                      </p:childTnLst>
-                    </p:cTn>
-                  </p:par>
-                  <p:par>
-                    <p:cTn id="25" fill="hold">
-                      <p:stCondLst>
-                        <p:cond delay="indefinite"/>
-                      </p:stCondLst>
-                      <p:childTnLst>
-                        <p:par>
-                          <p:cTn id="26" fill="hold">
-                            <p:stCondLst>
-                              <p:cond delay="0"/>
-                            </p:stCondLst>
-                            <p:childTnLst>
-                              <p:par>
-                                <p:cTn id="27" presetClass="entr" nodeType="clickEffect" presetSubtype="0" presetID="1" grpId="1" fill="hold">
-                                  <p:stCondLst>
-                                    <p:cond delay="0"/>
-                                  </p:stCondLst>
-                                  <p:iterate type="el" backwards="0">
-                                    <p:tmAbs val="0"/>
-                                  </p:iterate>
-                                  <p:childTnLst>
-                                    <p:set>
-                                      <p:cBhvr>
-                                        <p:cTn id="28" fill="hold"/>
-                                        <p:tgtEl>
-                                          <p:spTgt spid="158">
-                                            <p:txEl>
-                                              <p:pRg st="5" end="5"/>
-                                            </p:txEl>
-                                          </p:spTgt>
-                                        </p:tgtEl>
-                                        <p:attrNameLst>
-                                          <p:attrName>style.visibility</p:attrName>
-                                        </p:attrNameLst>
-                                      </p:cBhvr>
-                                      <p:to>
-                                        <p:strVal val="visible"/>
-                                      </p:to>
-                                    </p:set>
-                                  </p:childTnLst>
-                                </p:cTn>
-                              </p:par>
-                            </p:childTnLst>
-                          </p:cTn>
-                        </p:par>
-                      </p:childTnLst>
-                    </p:cTn>
-                  </p:par>
-                  <p:par>
-                    <p:cTn id="29" fill="hold">
-                      <p:stCondLst>
-                        <p:cond delay="indefinite"/>
-                      </p:stCondLst>
-                      <p:childTnLst>
-                        <p:par>
-                          <p:cTn id="30" fill="hold">
-                            <p:stCondLst>
-                              <p:cond delay="0"/>
-                            </p:stCondLst>
-                            <p:childTnLst>
-                              <p:par>
-                                <p:cTn id="31" presetClass="entr" nodeType="clickEffect" presetSubtype="0" presetID="1" grpId="1" fill="hold">
-                                  <p:stCondLst>
-                                    <p:cond delay="0"/>
-                                  </p:stCondLst>
-                                  <p:iterate type="el" backwards="0">
-                                    <p:tmAbs val="0"/>
-                                  </p:iterate>
-                                  <p:childTnLst>
-                                    <p:set>
-                                      <p:cBhvr>
-                                        <p:cTn id="32" fill="hold"/>
-                                        <p:tgtEl>
-                                          <p:spTgt spid="158">
-                                            <p:txEl>
-                                              <p:pRg st="6" end="6"/>
-                                            </p:txEl>
-                                          </p:spTgt>
-                                        </p:tgtEl>
-                                        <p:attrNameLst>
-                                          <p:attrName>style.visibility</p:attrName>
-                                        </p:attrNameLst>
-                                      </p:cBhvr>
-                                      <p:to>
-                                        <p:strVal val="visible"/>
-                                      </p:to>
-                                    </p:set>
-                                  </p:childTnLst>
-                                </p:cTn>
-                              </p:par>
-                            </p:childTnLst>
-                          </p:cTn>
-                        </p:par>
-                      </p:childTnLst>
-                    </p:cTn>
-                  </p:par>
-                  <p:par>
-                    <p:cTn id="33" fill="hold">
-                      <p:stCondLst>
-                        <p:cond delay="indefinite"/>
-                      </p:stCondLst>
-                      <p:childTnLst>
-                        <p:par>
-                          <p:cTn id="34" fill="hold">
-                            <p:stCondLst>
-                              <p:cond delay="0"/>
-                            </p:stCondLst>
-                            <p:childTnLst>
-                              <p:par>
-                                <p:cTn id="35" presetClass="entr" nodeType="clickEffect" presetSubtype="0" presetID="1" grpId="1" fill="hold">
-                                  <p:stCondLst>
-                                    <p:cond delay="0"/>
-                                  </p:stCondLst>
-                                  <p:iterate type="el" backwards="0">
-                                    <p:tmAbs val="0"/>
-                                  </p:iterate>
-                                  <p:childTnLst>
-                                    <p:set>
-                                      <p:cBhvr>
-                                        <p:cTn id="36" fill="hold"/>
-                                        <p:tgtEl>
-                                          <p:spTgt spid="158">
-                                            <p:txEl>
-                                              <p:pRg st="7" end="7"/>
-                                            </p:txEl>
-                                          </p:spTgt>
-                                        </p:tgtEl>
-                                        <p:attrNameLst>
-                                          <p:attrName>style.visibility</p:attrName>
-                                        </p:attrNameLst>
-                                      </p:cBhvr>
-                                      <p:to>
-                                        <p:strVal val="visible"/>
-                                      </p:to>
-                                    </p:set>
-                                  </p:childTnLst>
-                                </p:cTn>
-                              </p:par>
-                            </p:childTnLst>
-                          </p:cTn>
-                        </p:par>
-                      </p:childTnLst>
-                    </p:cTn>
-                  </p:par>
                 </p:childTnLst>
               </p:cTn>
               <p:prevCondLst>
@@ -5721,17 +6245,13 @@
       </p:grpSpPr>
       <p:sp>
         <p:nvSpPr>
-          <p:cNvPr id="160" name="Google Shape;82;p14"/>
+          <p:cNvPr id="169" name="Google Shape;97;p16"/>
           <p:cNvSpPr txBox="1"/>
           <p:nvPr>
-            <p:ph type="body" sz="quarter" idx="1"/>
+            <p:ph type="title"/>
           </p:nvPr>
         </p:nvSpPr>
         <p:spPr>
-          <a:xfrm>
-            <a:off x="716902" y="1616314"/>
-            <a:ext cx="3050354" cy="3002401"/>
-          </a:xfrm>
           <a:prstGeom prst="rect">
             <a:avLst/>
           </a:prstGeom>
@@ -5740,579 +6260,109 @@
           <a:bodyPr/>
           <a:lstStyle/>
           <a:p>
-            <a:pPr marL="300789" indent="-300789">
-              <a:buClrTx/>
-              <a:buSzPct val="100000"/>
-              <a:buFontTx/>
-              <a:buAutoNum type="alphaUcPeriod" startAt="1"/>
-              <a:defRPr b="1"/>
+            <a:pPr>
+              <a:defRPr sz="2700"/>
             </a:pPr>
             <a:r>
-              <a:t>Find your </a:t>
-            </a:r>
-            <a:r>
-              <a:rPr i="1" u="sng"/>
-              <a:t>assigned</a:t>
-            </a:r>
-            <a:r>
-              <a:t> seat (ask Dr. O’Brien)</a:t>
-            </a:r>
-          </a:p>
-          <a:p>
-            <a:pPr marL="300789" indent="-300789">
-              <a:buClrTx/>
-              <a:buSzPct val="100000"/>
-              <a:buFontTx/>
-              <a:buAutoNum type="alphaUcPeriod" startAt="1"/>
-              <a:defRPr b="1"/>
-            </a:pPr>
-            <a:r>
-              <a:t>Read through the MP1 requirements to the right.</a:t>
-            </a:r>
-          </a:p>
-          <a:p>
-            <a:pPr marL="300789" indent="-300789">
-              <a:buClrTx/>
-              <a:buSzPct val="100000"/>
-              <a:buFontTx/>
-              <a:buAutoNum type="alphaUcPeriod" startAt="1"/>
-              <a:defRPr b="1"/>
-            </a:pPr>
-            <a:r>
-              <a:t>Begin work! Raise your hand quietly if you have any questions</a:t>
+              <a:t>Warm up (answer in </a:t>
+            </a:r>
+            <a:r>
+              <a:rPr u="sng"/>
+              <a:t>notebook</a:t>
+            </a:r>
+            <a:r>
+              <a:t>)</a:t>
             </a:r>
           </a:p>
         </p:txBody>
       </p:sp>
       <p:sp>
         <p:nvSpPr>
-          <p:cNvPr id="161" name="Google Shape;118;p19"/>
+          <p:cNvPr id="170" name="Google Shape;98;p16"/>
           <p:cNvSpPr txBox="1"/>
-          <p:nvPr/>
+          <p:nvPr>
+            <p:ph type="body" sz="half" idx="1"/>
+          </p:nvPr>
         </p:nvSpPr>
         <p:spPr>
           <a:xfrm>
-            <a:off x="1542227" y="500360"/>
-            <a:ext cx="7302727" cy="810604"/>
+            <a:off x="155128" y="1401275"/>
+            <a:ext cx="4021801" cy="3002401"/>
           </a:xfrm>
           <a:prstGeom prst="rect">
             <a:avLst/>
           </a:prstGeom>
-          <a:solidFill>
-            <a:srgbClr val="FFFFFF"/>
-          </a:solidFill>
-          <a:ln w="25400">
-            <a:solidFill>
-              <a:schemeClr val="accent1"/>
-            </a:solidFill>
-          </a:ln>
-          <a:extLst>
-            <a:ext uri="{C572A759-6A51-4108-AA02-DFA0A04FC94B}">
-              <ma14:wrappingTextBoxFlag xmlns:ma14="http://schemas.microsoft.com/office/mac/drawingml/2011/main" val="1"/>
-            </a:ext>
-          </a:extLst>
         </p:spPr>
         <p:txBody>
-          <a:bodyPr lIns="91423" tIns="91423" rIns="91423" bIns="91423">
-            <a:normAutofit fontScale="100000" lnSpcReduction="0"/>
-          </a:bodyPr>
+          <a:bodyPr/>
           <a:lstStyle/>
           <a:p>
+            <a:pPr marL="0" indent="457200">
+              <a:buSzTx/>
+              <a:buNone/>
+            </a:pPr>
+            <a:r>
+              <a:t>Examine the picture to the right:</a:t>
+            </a:r>
+          </a:p>
+          <a:p>
             <a:pPr>
-              <a:defRPr sz="2400"/>
+              <a:spcBef>
+                <a:spcPts val="1200"/>
+              </a:spcBef>
+              <a:buFontTx/>
+              <a:buAutoNum type="arabicPeriod" startAt="1"/>
             </a:pPr>
             <a:r>
-              <a:t>The rest of the day</a:t>
+              <a:t>Do you think a computer was used to create this image? Explain why or why not.</a:t>
             </a:r>
           </a:p>
           <a:p>
             <a:pPr>
-              <a:defRPr>
-                <a:solidFill>
-                  <a:schemeClr val="accent3">
-                    <a:lumOff val="-9098"/>
-                  </a:schemeClr>
-                </a:solidFill>
-                <a:latin typeface="+mj-lt"/>
-                <a:ea typeface="+mj-ea"/>
-                <a:cs typeface="+mj-cs"/>
-                <a:sym typeface="Helvetica"/>
-              </a:defRPr>
+              <a:buFontTx/>
+              <a:buAutoNum type="arabicPeriod" startAt="1"/>
             </a:pPr>
             <a:r>
-              <a:rPr>
-                <a:solidFill>
-                  <a:schemeClr val="accent5"/>
-                </a:solidFill>
-              </a:rPr>
-              <a:t>be sure to:</a:t>
-            </a:r>
-            <a:r>
-              <a:rPr>
-                <a:solidFill>
-                  <a:schemeClr val="accent5">
-                    <a:lumOff val="-9843"/>
-                  </a:schemeClr>
-                </a:solidFill>
-              </a:rPr>
-              <a:t> </a:t>
-            </a:r>
-            <a:r>
-              <a:rPr>
-                <a:solidFill>
-                  <a:schemeClr val="accent1"/>
-                </a:solidFill>
-              </a:rPr>
-              <a:t>find your </a:t>
-            </a:r>
-            <a:r>
-              <a:rPr b="1">
-                <a:solidFill>
-                  <a:schemeClr val="accent1"/>
-                </a:solidFill>
-              </a:rPr>
-              <a:t>assigned </a:t>
-            </a:r>
-            <a:r>
-              <a:rPr>
-                <a:solidFill>
-                  <a:schemeClr val="accent1"/>
-                </a:solidFill>
-              </a:rPr>
-              <a:t>seat.  Log in to CodeHS. Begin work!</a:t>
+              <a:t>In what ways might computers be useful to create art? Explain in at least one complete sentence. </a:t>
             </a:r>
           </a:p>
         </p:txBody>
       </p:sp>
-      <p:sp>
-        <p:nvSpPr>
-          <p:cNvPr id="162" name="MP1 requirements:…"/>
-          <p:cNvSpPr txBox="1"/>
+      <p:pic>
+        <p:nvPicPr>
+          <p:cNvPr id="171" name="Google Shape;99;p16" descr="Google Shape;99;p16"/>
+          <p:cNvPicPr>
+            <a:picLocks noChangeAspect="1"/>
+          </p:cNvPicPr>
           <p:nvPr/>
-        </p:nvSpPr>
+        </p:nvPicPr>
+        <p:blipFill>
+          <a:blip r:embed="rId3">
+            <a:extLst/>
+          </a:blip>
+          <a:stretch>
+            <a:fillRect/>
+          </a:stretch>
+        </p:blipFill>
         <p:spPr>
           <a:xfrm>
-            <a:off x="4980692" y="1382973"/>
-            <a:ext cx="3850828" cy="1605423"/>
+            <a:off x="4406300" y="1332150"/>
+            <a:ext cx="4561326" cy="2565750"/>
           </a:xfrm>
           <a:prstGeom prst="rect">
             <a:avLst/>
           </a:prstGeom>
           <a:ln w="12700">
-            <a:solidFill>
-              <a:srgbClr val="000000"/>
-            </a:solidFill>
             <a:miter lim="400000"/>
           </a:ln>
-          <a:extLst>
-            <a:ext uri="{C572A759-6A51-4108-AA02-DFA0A04FC94B}">
-              <ma14:wrappingTextBoxFlag xmlns:ma14="http://schemas.microsoft.com/office/mac/drawingml/2011/main" val="1"/>
-            </a:ext>
-          </a:extLst>
-        </p:spPr>
-        <p:txBody>
-          <a:bodyPr lIns="0" tIns="0" rIns="0" bIns="0">
-            <a:spAutoFit/>
-          </a:bodyPr>
-          <a:lstStyle/>
-          <a:p>
-            <a:pPr>
-              <a:defRPr sz="1800">
-                <a:solidFill>
-                  <a:srgbClr val="012F7B"/>
-                </a:solidFill>
-              </a:defRPr>
-            </a:pPr>
-            <a:r>
-              <a:t>MP1 requirements:</a:t>
-            </a:r>
-          </a:p>
-          <a:p>
-            <a:pPr marL="240631" indent="-240631">
-              <a:buSzPct val="100000"/>
-              <a:buAutoNum type="arabicPeriod" startAt="1"/>
-              <a:defRPr sz="1800"/>
-            </a:pPr>
-            <a:r>
-              <a:t>Complete all CodeHS Lessons, Unit 2</a:t>
-            </a:r>
-          </a:p>
-          <a:p>
-            <a:pPr marL="240631" indent="-240631">
-              <a:buSzPct val="100000"/>
-              <a:buAutoNum type="arabicPeriod" startAt="1"/>
-              <a:defRPr sz="1800"/>
-            </a:pPr>
-            <a:r>
-              <a:t>Complete Assessment #1</a:t>
-            </a:r>
-          </a:p>
-          <a:p>
-            <a:pPr marL="240631" indent="-240631">
-              <a:buSzPct val="100000"/>
-              <a:buAutoNum type="arabicPeriod" startAt="1"/>
-              <a:defRPr sz="1800"/>
-            </a:pPr>
-            <a:r>
-              <a:t>Complete Turtle Art project (Assessment #2)</a:t>
-            </a:r>
-          </a:p>
-        </p:txBody>
-      </p:sp>
-      <p:grpSp>
-        <p:nvGrpSpPr>
-          <p:cNvPr id="167" name="Group"/>
-          <p:cNvGrpSpPr/>
-          <p:nvPr/>
-        </p:nvGrpSpPr>
-        <p:grpSpPr>
-          <a:xfrm>
-            <a:off x="6683857" y="3047705"/>
-            <a:ext cx="2152744" cy="1535793"/>
-            <a:chOff x="0" y="0"/>
-            <a:chExt cx="2152743" cy="1535791"/>
-          </a:xfrm>
-        </p:grpSpPr>
-        <p:pic>
-          <p:nvPicPr>
-            <p:cNvPr id="163" name="Google Shape;83;p14" descr="Google Shape;83;p14"/>
-            <p:cNvPicPr>
-              <a:picLocks noChangeAspect="1"/>
-            </p:cNvPicPr>
-            <p:nvPr/>
-          </p:nvPicPr>
-          <p:blipFill>
-            <a:blip r:embed="rId3">
-              <a:extLst/>
-            </a:blip>
-            <a:srcRect l="9391" t="8933" r="9844" b="30171"/>
-            <a:stretch>
-              <a:fillRect/>
-            </a:stretch>
-          </p:blipFill>
-          <p:spPr>
-            <a:xfrm>
-              <a:off x="1130418" y="788003"/>
-              <a:ext cx="976850" cy="736573"/>
-            </a:xfrm>
-            <a:prstGeom prst="rect">
-              <a:avLst/>
-            </a:prstGeom>
-            <a:ln w="12700" cap="flat">
-              <a:noFill/>
-              <a:miter lim="400000"/>
-            </a:ln>
-            <a:effectLst/>
-          </p:spPr>
-        </p:pic>
-        <p:pic>
-          <p:nvPicPr>
-            <p:cNvPr id="164" name="Google Shape;84;p14" descr="Google Shape;84;p14"/>
-            <p:cNvPicPr>
-              <a:picLocks noChangeAspect="1"/>
-            </p:cNvPicPr>
-            <p:nvPr/>
-          </p:nvPicPr>
-          <p:blipFill>
-            <a:blip r:embed="rId4">
-              <a:extLst/>
-            </a:blip>
-            <a:srcRect l="0" t="0" r="0" b="0"/>
-            <a:stretch>
-              <a:fillRect/>
-            </a:stretch>
-          </p:blipFill>
-          <p:spPr>
-            <a:xfrm>
-              <a:off x="1108519" y="0"/>
-              <a:ext cx="1044225" cy="764617"/>
-            </a:xfrm>
-            <a:prstGeom prst="rect">
-              <a:avLst/>
-            </a:prstGeom>
-            <a:ln w="12700" cap="flat">
-              <a:noFill/>
-              <a:miter lim="400000"/>
-            </a:ln>
-            <a:effectLst/>
-          </p:spPr>
-        </p:pic>
-        <p:pic>
-          <p:nvPicPr>
-            <p:cNvPr id="165" name="Google Shape;85;p14" descr="Google Shape;85;p14"/>
-            <p:cNvPicPr>
-              <a:picLocks noChangeAspect="1"/>
-            </p:cNvPicPr>
-            <p:nvPr/>
-          </p:nvPicPr>
-          <p:blipFill>
-            <a:blip r:embed="rId5">
-              <a:extLst/>
-            </a:blip>
-            <a:srcRect l="48724" t="0" r="0" b="24913"/>
-            <a:stretch>
-              <a:fillRect/>
-            </a:stretch>
-          </p:blipFill>
-          <p:spPr>
-            <a:xfrm>
-              <a:off x="0" y="0"/>
-              <a:ext cx="1036559" cy="759005"/>
-            </a:xfrm>
-            <a:prstGeom prst="rect">
-              <a:avLst/>
-            </a:prstGeom>
-            <a:ln w="12700" cap="flat">
-              <a:noFill/>
-              <a:miter lim="400000"/>
-            </a:ln>
-            <a:effectLst/>
-          </p:spPr>
-        </p:pic>
-        <p:pic>
-          <p:nvPicPr>
-            <p:cNvPr id="166" name="Google Shape;86;p14" descr="Google Shape;86;p14"/>
-            <p:cNvPicPr>
-              <a:picLocks noChangeAspect="1"/>
-            </p:cNvPicPr>
-            <p:nvPr/>
-          </p:nvPicPr>
-          <p:blipFill>
-            <a:blip r:embed="rId6">
-              <a:extLst/>
-            </a:blip>
-            <a:srcRect l="48724" t="0" r="0" b="39928"/>
-            <a:stretch>
-              <a:fillRect/>
-            </a:stretch>
-          </p:blipFill>
-          <p:spPr>
-            <a:xfrm>
-              <a:off x="0" y="776786"/>
-              <a:ext cx="1036559" cy="759006"/>
-            </a:xfrm>
-            <a:prstGeom prst="rect">
-              <a:avLst/>
-            </a:prstGeom>
-            <a:ln w="12700" cap="flat">
-              <a:noFill/>
-              <a:miter lim="400000"/>
-            </a:ln>
-            <a:effectLst/>
-          </p:spPr>
-        </p:pic>
-      </p:grpSp>
+        </p:spPr>
+      </p:pic>
     </p:spTree>
   </p:cSld>
   <p:clrMapOvr>
     <a:masterClrMapping/>
   </p:clrMapOvr>
   <p:transition xmlns:p14="http://schemas.microsoft.com/office/powerpoint/2010/main" spd="med" advClick="1"/>
-  <p:timing>
-    <p:tnLst>
-      <p:par>
-        <p:cTn id="1" nodeType="tmRoot" restart="never" dur="indefinite" fill="hold">
-          <p:childTnLst>
-            <p:seq concurrent="1" prevAc="none" nextAc="seek">
-              <p:cTn id="2" nodeType="mainSeq" dur="indefinite" fill="hold">
-                <p:childTnLst>
-                  <p:par>
-                    <p:cTn id="3" fill="hold">
-                      <p:stCondLst>
-                        <p:cond delay="indefinite"/>
-                      </p:stCondLst>
-                      <p:childTnLst>
-                        <p:par>
-                          <p:cTn id="4" fill="hold">
-                            <p:stCondLst>
-                              <p:cond delay="0"/>
-                            </p:stCondLst>
-                            <p:childTnLst>
-                              <p:par>
-                                <p:cTn id="5" presetClass="entr" nodeType="clickEffect" presetSubtype="0" presetID="1" grpId="1" fill="hold">
-                                  <p:stCondLst>
-                                    <p:cond delay="0"/>
-                                  </p:stCondLst>
-                                  <p:iterate type="el" backwards="0">
-                                    <p:tmAbs val="0"/>
-                                  </p:iterate>
-                                  <p:childTnLst>
-                                    <p:set>
-                                      <p:cBhvr>
-                                        <p:cTn id="6" fill="hold"/>
-                                        <p:tgtEl>
-                                          <p:spTgt spid="160">
-                                            <p:bg/>
-                                          </p:spTgt>
-                                        </p:tgtEl>
-                                        <p:attrNameLst>
-                                          <p:attrName>style.visibility</p:attrName>
-                                        </p:attrNameLst>
-                                      </p:cBhvr>
-                                      <p:to>
-                                        <p:strVal val="visible"/>
-                                      </p:to>
-                                    </p:set>
-                                  </p:childTnLst>
-                                </p:cTn>
-                              </p:par>
-                              <p:par>
-                                <p:cTn id="7" presetClass="entr" nodeType="withEffect" presetSubtype="0" presetID="1" grpId="1" fill="hold">
-                                  <p:stCondLst>
-                                    <p:cond delay="0"/>
-                                  </p:stCondLst>
-                                  <p:iterate type="el" backwards="0">
-                                    <p:tmAbs val="0"/>
-                                  </p:iterate>
-                                  <p:childTnLst>
-                                    <p:set>
-                                      <p:cBhvr>
-                                        <p:cTn id="8" fill="hold"/>
-                                        <p:tgtEl>
-                                          <p:spTgt spid="160">
-                                            <p:txEl>
-                                              <p:pRg st="0" end="0"/>
-                                            </p:txEl>
-                                          </p:spTgt>
-                                        </p:tgtEl>
-                                        <p:attrNameLst>
-                                          <p:attrName>style.visibility</p:attrName>
-                                        </p:attrNameLst>
-                                      </p:cBhvr>
-                                      <p:to>
-                                        <p:strVal val="visible"/>
-                                      </p:to>
-                                    </p:set>
-                                  </p:childTnLst>
-                                </p:cTn>
-                              </p:par>
-                            </p:childTnLst>
-                          </p:cTn>
-                        </p:par>
-                      </p:childTnLst>
-                    </p:cTn>
-                  </p:par>
-                  <p:par>
-                    <p:cTn id="9" fill="hold">
-                      <p:stCondLst>
-                        <p:cond delay="indefinite"/>
-                      </p:stCondLst>
-                      <p:childTnLst>
-                        <p:par>
-                          <p:cTn id="10" fill="hold">
-                            <p:stCondLst>
-                              <p:cond delay="0"/>
-                            </p:stCondLst>
-                            <p:childTnLst>
-                              <p:par>
-                                <p:cTn id="11" presetClass="entr" nodeType="clickEffect" presetSubtype="0" presetID="1" grpId="1" fill="hold">
-                                  <p:stCondLst>
-                                    <p:cond delay="0"/>
-                                  </p:stCondLst>
-                                  <p:iterate type="el" backwards="0">
-                                    <p:tmAbs val="0"/>
-                                  </p:iterate>
-                                  <p:childTnLst>
-                                    <p:set>
-                                      <p:cBhvr>
-                                        <p:cTn id="12" fill="hold"/>
-                                        <p:tgtEl>
-                                          <p:spTgt spid="160">
-                                            <p:txEl>
-                                              <p:pRg st="1" end="1"/>
-                                            </p:txEl>
-                                          </p:spTgt>
-                                        </p:tgtEl>
-                                        <p:attrNameLst>
-                                          <p:attrName>style.visibility</p:attrName>
-                                        </p:attrNameLst>
-                                      </p:cBhvr>
-                                      <p:to>
-                                        <p:strVal val="visible"/>
-                                      </p:to>
-                                    </p:set>
-                                  </p:childTnLst>
-                                </p:cTn>
-                              </p:par>
-                            </p:childTnLst>
-                          </p:cTn>
-                        </p:par>
-                      </p:childTnLst>
-                    </p:cTn>
-                  </p:par>
-                  <p:par>
-                    <p:cTn id="13" fill="hold">
-                      <p:stCondLst>
-                        <p:cond delay="indefinite"/>
-                      </p:stCondLst>
-                      <p:childTnLst>
-                        <p:par>
-                          <p:cTn id="14" fill="hold">
-                            <p:stCondLst>
-                              <p:cond delay="0"/>
-                            </p:stCondLst>
-                            <p:childTnLst>
-                              <p:par>
-                                <p:cTn id="15" presetClass="entr" nodeType="clickEffect" presetSubtype="0" presetID="1" grpId="1" fill="hold">
-                                  <p:stCondLst>
-                                    <p:cond delay="0"/>
-                                  </p:stCondLst>
-                                  <p:iterate type="el" backwards="0">
-                                    <p:tmAbs val="0"/>
-                                  </p:iterate>
-                                  <p:childTnLst>
-                                    <p:set>
-                                      <p:cBhvr>
-                                        <p:cTn id="16" fill="hold"/>
-                                        <p:tgtEl>
-                                          <p:spTgt spid="160">
-                                            <p:txEl>
-                                              <p:pRg st="2" end="2"/>
-                                            </p:txEl>
-                                          </p:spTgt>
-                                        </p:tgtEl>
-                                        <p:attrNameLst>
-                                          <p:attrName>style.visibility</p:attrName>
-                                        </p:attrNameLst>
-                                      </p:cBhvr>
-                                      <p:to>
-                                        <p:strVal val="visible"/>
-                                      </p:to>
-                                    </p:set>
-                                  </p:childTnLst>
-                                </p:cTn>
-                              </p:par>
-                            </p:childTnLst>
-                          </p:cTn>
-                        </p:par>
-                      </p:childTnLst>
-                    </p:cTn>
-                  </p:par>
-                </p:childTnLst>
-              </p:cTn>
-              <p:prevCondLst>
-                <p:cond evt="onPrev">
-                  <p:tgtEl>
-                    <p:sldTgt/>
-                  </p:tgtEl>
-                </p:cond>
-              </p:prevCondLst>
-              <p:nextCondLst>
-                <p:cond evt="onNext">
-                  <p:tgtEl>
-                    <p:sldTgt/>
-                  </p:tgtEl>
-                </p:cond>
-              </p:nextCondLst>
-            </p:seq>
-          </p:childTnLst>
-        </p:cTn>
-      </p:par>
-    </p:tnLst>
-    <p:bldLst>
-      <p:bldP build="p" bldLvl="5" animBg="1" rev="0" advAuto="0" spid="160" grpId="1"/>
-    </p:bldLst>
-  </p:timing>
 </p:sld>
 </file>
 
@@ -6335,147 +6385,7 @@
       </p:grpSpPr>
       <p:sp>
         <p:nvSpPr>
-          <p:cNvPr id="171" name="Google Shape;97;p16"/>
-          <p:cNvSpPr txBox="1"/>
-          <p:nvPr>
-            <p:ph type="title"/>
-          </p:nvPr>
-        </p:nvSpPr>
-        <p:spPr>
-          <a:prstGeom prst="rect">
-            <a:avLst/>
-          </a:prstGeom>
-        </p:spPr>
-        <p:txBody>
-          <a:bodyPr/>
-          <a:lstStyle/>
-          <a:p>
-            <a:pPr>
-              <a:defRPr sz="2700"/>
-            </a:pPr>
-            <a:r>
-              <a:t>Warm up (answer in </a:t>
-            </a:r>
-            <a:r>
-              <a:rPr u="sng"/>
-              <a:t>notebook</a:t>
-            </a:r>
-            <a:r>
-              <a:t>)</a:t>
-            </a:r>
-          </a:p>
-        </p:txBody>
-      </p:sp>
-      <p:sp>
-        <p:nvSpPr>
-          <p:cNvPr id="172" name="Google Shape;98;p16"/>
-          <p:cNvSpPr txBox="1"/>
-          <p:nvPr>
-            <p:ph type="body" sz="half" idx="1"/>
-          </p:nvPr>
-        </p:nvSpPr>
-        <p:spPr>
-          <a:xfrm>
-            <a:off x="155128" y="1401275"/>
-            <a:ext cx="4021801" cy="3002401"/>
-          </a:xfrm>
-          <a:prstGeom prst="rect">
-            <a:avLst/>
-          </a:prstGeom>
-        </p:spPr>
-        <p:txBody>
-          <a:bodyPr/>
-          <a:lstStyle/>
-          <a:p>
-            <a:pPr marL="0" indent="457200">
-              <a:buSzTx/>
-              <a:buNone/>
-            </a:pPr>
-            <a:r>
-              <a:t>Examine the picture to the right:</a:t>
-            </a:r>
-          </a:p>
-          <a:p>
-            <a:pPr>
-              <a:spcBef>
-                <a:spcPts val="1200"/>
-              </a:spcBef>
-              <a:buFontTx/>
-              <a:buAutoNum type="arabicPeriod" startAt="1"/>
-            </a:pPr>
-            <a:r>
-              <a:t>Do you think a computer was used to create this image? Explain why or why not.</a:t>
-            </a:r>
-          </a:p>
-          <a:p>
-            <a:pPr>
-              <a:buFontTx/>
-              <a:buAutoNum type="arabicPeriod" startAt="1"/>
-            </a:pPr>
-            <a:r>
-              <a:t>In what ways might computers be useful to create art? Explain in at least one complete sentence. </a:t>
-            </a:r>
-          </a:p>
-        </p:txBody>
-      </p:sp>
-      <p:pic>
-        <p:nvPicPr>
-          <p:cNvPr id="173" name="Google Shape;99;p16" descr="Google Shape;99;p16"/>
-          <p:cNvPicPr>
-            <a:picLocks noChangeAspect="1"/>
-          </p:cNvPicPr>
-          <p:nvPr/>
-        </p:nvPicPr>
-        <p:blipFill>
-          <a:blip r:embed="rId3">
-            <a:extLst/>
-          </a:blip>
-          <a:stretch>
-            <a:fillRect/>
-          </a:stretch>
-        </p:blipFill>
-        <p:spPr>
-          <a:xfrm>
-            <a:off x="4406300" y="1332150"/>
-            <a:ext cx="4561326" cy="2565750"/>
-          </a:xfrm>
-          <a:prstGeom prst="rect">
-            <a:avLst/>
-          </a:prstGeom>
-          <a:ln w="12700">
-            <a:miter lim="400000"/>
-          </a:ln>
-        </p:spPr>
-      </p:pic>
-    </p:spTree>
-  </p:cSld>
-  <p:clrMapOvr>
-    <a:masterClrMapping/>
-  </p:clrMapOvr>
-  <p:transition xmlns:p14="http://schemas.microsoft.com/office/powerpoint/2010/main" spd="med" advClick="1"/>
-</p:sld>
-</file>
-
-<file path=ppt/slides/slide6.xml><?xml version="1.0" encoding="utf-8"?>
-<p:sld xmlns:a="http://schemas.openxmlformats.org/drawingml/2006/main" xmlns:r="http://schemas.openxmlformats.org/officeDocument/2006/relationships" xmlns:p="http://schemas.openxmlformats.org/presentationml/2006/main" xmlns:m="http://schemas.openxmlformats.org/officeDocument/2006/math" xmlns:a14="http://schemas.microsoft.com/office/drawing/2010/main" showMasterSp="1" showMasterPhAnim="1">
-  <p:cSld>
-    <p:spTree>
-      <p:nvGrpSpPr>
-        <p:cNvPr id="1" name=""/>
-        <p:cNvGrpSpPr/>
-        <p:nvPr/>
-      </p:nvGrpSpPr>
-      <p:grpSpPr>
-        <a:xfrm>
-          <a:off x="0" y="0"/>
-          <a:ext cx="0" cy="0"/>
-          <a:chOff x="0" y="0"/>
-          <a:chExt cx="0" cy="0"/>
-        </a:xfrm>
-      </p:grpSpPr>
-      <p:sp>
-        <p:nvSpPr>
-          <p:cNvPr id="177" name="Google Shape;104;p17"/>
+          <p:cNvPr id="175" name="Google Shape;104;p17"/>
           <p:cNvSpPr txBox="1"/>
           <p:nvPr>
             <p:ph type="title"/>
@@ -6522,7 +6432,7 @@
       </p:sp>
       <p:sp>
         <p:nvSpPr>
-          <p:cNvPr id="178" name="Google Shape;105;p17"/>
+          <p:cNvPr id="176" name="Google Shape;105;p17"/>
           <p:cNvSpPr txBox="1"/>
           <p:nvPr>
             <p:ph type="body" sz="half" idx="1"/>
@@ -6584,7 +6494,7 @@
       </p:sp>
       <p:grpSp>
         <p:nvGrpSpPr>
-          <p:cNvPr id="183" name="Group"/>
+          <p:cNvPr id="181" name="Group"/>
           <p:cNvGrpSpPr/>
           <p:nvPr/>
         </p:nvGrpSpPr>
@@ -6598,7 +6508,7 @@
         </p:grpSpPr>
         <p:pic>
           <p:nvPicPr>
-            <p:cNvPr id="179" name="Google Shape;83;p14" descr="Google Shape;83;p14"/>
+            <p:cNvPr id="177" name="Google Shape;83;p14" descr="Google Shape;83;p14"/>
             <p:cNvPicPr>
               <a:picLocks noChangeAspect="1"/>
             </p:cNvPicPr>
@@ -6630,7 +6540,7 @@
         </p:pic>
         <p:pic>
           <p:nvPicPr>
-            <p:cNvPr id="180" name="Google Shape;84;p14" descr="Google Shape;84;p14"/>
+            <p:cNvPr id="178" name="Google Shape;84;p14" descr="Google Shape;84;p14"/>
             <p:cNvPicPr>
               <a:picLocks noChangeAspect="1"/>
             </p:cNvPicPr>
@@ -6662,7 +6572,7 @@
         </p:pic>
         <p:pic>
           <p:nvPicPr>
-            <p:cNvPr id="181" name="Google Shape;85;p14" descr="Google Shape;85;p14"/>
+            <p:cNvPr id="179" name="Google Shape;85;p14" descr="Google Shape;85;p14"/>
             <p:cNvPicPr>
               <a:picLocks noChangeAspect="1"/>
             </p:cNvPicPr>
@@ -6694,7 +6604,7 @@
         </p:pic>
         <p:pic>
           <p:nvPicPr>
-            <p:cNvPr id="182" name="Google Shape;86;p14" descr="Google Shape;86;p14"/>
+            <p:cNvPr id="180" name="Google Shape;86;p14" descr="Google Shape;86;p14"/>
             <p:cNvPicPr>
               <a:picLocks noChangeAspect="1"/>
             </p:cNvPicPr>
@@ -6734,6 +6644,195 @@
 </p:sld>
 </file>
 
+<file path=ppt/slides/slide6.xml><?xml version="1.0" encoding="utf-8"?>
+<p:sld xmlns:a="http://schemas.openxmlformats.org/drawingml/2006/main" xmlns:r="http://schemas.openxmlformats.org/officeDocument/2006/relationships" xmlns:p="http://schemas.openxmlformats.org/presentationml/2006/main" xmlns:m="http://schemas.openxmlformats.org/officeDocument/2006/math" xmlns:a14="http://schemas.microsoft.com/office/drawing/2010/main" showMasterSp="1" showMasterPhAnim="1">
+  <p:cSld>
+    <p:spTree>
+      <p:nvGrpSpPr>
+        <p:cNvPr id="1" name=""/>
+        <p:cNvGrpSpPr/>
+        <p:nvPr/>
+      </p:nvGrpSpPr>
+      <p:grpSpPr>
+        <a:xfrm>
+          <a:off x="0" y="0"/>
+          <a:ext cx="0" cy="0"/>
+          <a:chOff x="0" y="0"/>
+          <a:chExt cx="0" cy="0"/>
+        </a:xfrm>
+      </p:grpSpPr>
+      <p:sp>
+        <p:nvSpPr>
+          <p:cNvPr id="185" name="Google Shape;110;p18"/>
+          <p:cNvSpPr txBox="1"/>
+          <p:nvPr>
+            <p:ph type="body" idx="1"/>
+          </p:nvPr>
+        </p:nvSpPr>
+        <p:spPr>
+          <a:xfrm>
+            <a:off x="1630022" y="1343648"/>
+            <a:ext cx="7101691" cy="3254529"/>
+          </a:xfrm>
+          <a:prstGeom prst="rect">
+            <a:avLst/>
+          </a:prstGeom>
+        </p:spPr>
+        <p:txBody>
+          <a:bodyPr/>
+          <a:lstStyle/>
+          <a:p>
+            <a:pPr marL="0" indent="0">
+              <a:lnSpc>
+                <a:spcPct val="92000"/>
+              </a:lnSpc>
+              <a:buSzTx/>
+              <a:buNone/>
+              <a:defRPr sz="1400"/>
+            </a:pPr>
+            <a:r>
+              <a:t>two options:</a:t>
+            </a:r>
+            <a:endParaRPr sz="3700"/>
+          </a:p>
+          <a:p>
+            <a:pPr marL="0" indent="0">
+              <a:lnSpc>
+                <a:spcPct val="92000"/>
+              </a:lnSpc>
+              <a:spcBef>
+                <a:spcPts val="1200"/>
+              </a:spcBef>
+              <a:buSzTx/>
+              <a:buNone/>
+              <a:defRPr sz="1400"/>
+            </a:pPr>
+            <a:r>
+              <a:t>1. </a:t>
+            </a:r>
+            <a:r>
+              <a:rPr u="sng"/>
+              <a:t>Create your own image</a:t>
+            </a:r>
+            <a:r>
+              <a:t>, </a:t>
+            </a:r>
+            <a:r>
+              <a:rPr b="1"/>
+              <a:t>take a picture and post it in your google doc.</a:t>
+            </a:r>
+            <a:endParaRPr b="1" sz="3700"/>
+          </a:p>
+          <a:p>
+            <a:pPr marL="0" indent="0">
+              <a:lnSpc>
+                <a:spcPct val="92000"/>
+              </a:lnSpc>
+              <a:spcBef>
+                <a:spcPts val="1200"/>
+              </a:spcBef>
+              <a:buSzTx/>
+              <a:buNone/>
+              <a:defRPr sz="1400"/>
+            </a:pPr>
+            <a:r>
+              <a:t>2. </a:t>
+            </a:r>
+            <a:r>
+              <a:rPr u="sng"/>
+              <a:t>Find an image online</a:t>
+            </a:r>
+            <a:r>
+              <a:t>. </a:t>
+            </a:r>
+            <a:r>
+              <a:rPr i="1"/>
+              <a:t>If you find the image online, write a paragraph explaining why you think it's appropriate, along with what you like about it. </a:t>
+            </a:r>
+            <a:r>
+              <a:rPr b="1"/>
+              <a:t>Paste image and description into your Google Doc.</a:t>
+            </a:r>
+            <a:endParaRPr b="1" sz="3700"/>
+          </a:p>
+          <a:p>
+            <a:pPr marL="0" indent="0">
+              <a:lnSpc>
+                <a:spcPct val="92000"/>
+              </a:lnSpc>
+              <a:spcBef>
+                <a:spcPts val="1200"/>
+              </a:spcBef>
+              <a:buSzTx/>
+              <a:buNone/>
+              <a:defRPr b="1" sz="1400">
+                <a:solidFill>
+                  <a:srgbClr val="FF0000"/>
+                </a:solidFill>
+              </a:defRPr>
+            </a:pPr>
+            <a:r>
+              <a:t>Complete part 1 by the end of period !!!!</a:t>
+            </a:r>
+          </a:p>
+        </p:txBody>
+      </p:sp>
+      <p:sp>
+        <p:nvSpPr>
+          <p:cNvPr id="186" name="Google Shape;111;p18"/>
+          <p:cNvSpPr txBox="1"/>
+          <p:nvPr>
+            <p:ph type="title"/>
+          </p:nvPr>
+        </p:nvSpPr>
+        <p:spPr>
+          <a:prstGeom prst="rect">
+            <a:avLst/>
+          </a:prstGeom>
+        </p:spPr>
+        <p:txBody>
+          <a:bodyPr/>
+          <a:lstStyle/>
+          <a:p>
+            <a:pPr defTabSz="365760">
+              <a:defRPr sz="1480">
+                <a:solidFill>
+                  <a:srgbClr val="FF9900"/>
+                </a:solidFill>
+              </a:defRPr>
+            </a:pPr>
+            <a:r>
+              <a:t>Making art with Turtle Graphics</a:t>
+            </a:r>
+          </a:p>
+          <a:p>
+            <a:pPr defTabSz="365760">
+              <a:defRPr sz="1480">
+                <a:solidFill>
+                  <a:srgbClr val="0000FF"/>
+                </a:solidFill>
+              </a:defRPr>
+            </a:pPr>
+            <a:r>
+              <a:t>Part 1: Find/Create an image</a:t>
+            </a:r>
+          </a:p>
+          <a:p>
+            <a:pPr defTabSz="365760">
+              <a:defRPr sz="1480"/>
+            </a:pPr>
+          </a:p>
+        </p:txBody>
+      </p:sp>
+    </p:spTree>
+  </p:cSld>
+  <p:clrMapOvr>
+    <a:masterClrMapping/>
+  </p:clrMapOvr>
+  <p:transition xmlns:p14="http://schemas.microsoft.com/office/powerpoint/2010/main" spd="med" advClick="1"/>
+</p:sld>
+</file>
+
 <file path=ppt/slides/slide7.xml><?xml version="1.0" encoding="utf-8"?>
 <p:sld xmlns:a="http://schemas.openxmlformats.org/drawingml/2006/main" xmlns:r="http://schemas.openxmlformats.org/officeDocument/2006/relationships" xmlns:p="http://schemas.openxmlformats.org/presentationml/2006/main" xmlns:m="http://schemas.openxmlformats.org/officeDocument/2006/math" xmlns:a14="http://schemas.microsoft.com/office/drawing/2010/main" showMasterSp="1" showMasterPhAnim="1">
   <p:cSld>
@@ -6753,196 +6852,7 @@
       </p:grpSpPr>
       <p:sp>
         <p:nvSpPr>
-          <p:cNvPr id="187" name="Google Shape;110;p18"/>
-          <p:cNvSpPr txBox="1"/>
-          <p:nvPr>
-            <p:ph type="body" idx="1"/>
-          </p:nvPr>
-        </p:nvSpPr>
-        <p:spPr>
-          <a:xfrm>
-            <a:off x="1630022" y="1343648"/>
-            <a:ext cx="7101691" cy="3254529"/>
-          </a:xfrm>
-          <a:prstGeom prst="rect">
-            <a:avLst/>
-          </a:prstGeom>
-        </p:spPr>
-        <p:txBody>
-          <a:bodyPr/>
-          <a:lstStyle/>
-          <a:p>
-            <a:pPr marL="0" indent="0">
-              <a:lnSpc>
-                <a:spcPct val="92000"/>
-              </a:lnSpc>
-              <a:buSzTx/>
-              <a:buNone/>
-              <a:defRPr sz="1400"/>
-            </a:pPr>
-            <a:r>
-              <a:t>two options:</a:t>
-            </a:r>
-            <a:endParaRPr sz="3700"/>
-          </a:p>
-          <a:p>
-            <a:pPr marL="0" indent="0">
-              <a:lnSpc>
-                <a:spcPct val="92000"/>
-              </a:lnSpc>
-              <a:spcBef>
-                <a:spcPts val="1200"/>
-              </a:spcBef>
-              <a:buSzTx/>
-              <a:buNone/>
-              <a:defRPr sz="1400"/>
-            </a:pPr>
-            <a:r>
-              <a:t>1. </a:t>
-            </a:r>
-            <a:r>
-              <a:rPr u="sng"/>
-              <a:t>Create your own image</a:t>
-            </a:r>
-            <a:r>
-              <a:t>, </a:t>
-            </a:r>
-            <a:r>
-              <a:rPr b="1"/>
-              <a:t>take a picture and post it in your google doc.</a:t>
-            </a:r>
-            <a:endParaRPr b="1" sz="3700"/>
-          </a:p>
-          <a:p>
-            <a:pPr marL="0" indent="0">
-              <a:lnSpc>
-                <a:spcPct val="92000"/>
-              </a:lnSpc>
-              <a:spcBef>
-                <a:spcPts val="1200"/>
-              </a:spcBef>
-              <a:buSzTx/>
-              <a:buNone/>
-              <a:defRPr sz="1400"/>
-            </a:pPr>
-            <a:r>
-              <a:t>2. </a:t>
-            </a:r>
-            <a:r>
-              <a:rPr u="sng"/>
-              <a:t>Find an image online</a:t>
-            </a:r>
-            <a:r>
-              <a:t>. </a:t>
-            </a:r>
-            <a:r>
-              <a:rPr i="1"/>
-              <a:t>If you find the image online, write a paragraph explaining why you think it's appropriate, along with what you like about it. </a:t>
-            </a:r>
-            <a:r>
-              <a:rPr b="1"/>
-              <a:t>Paste image and description into your Google Doc.</a:t>
-            </a:r>
-            <a:endParaRPr b="1" sz="3700"/>
-          </a:p>
-          <a:p>
-            <a:pPr marL="0" indent="0">
-              <a:lnSpc>
-                <a:spcPct val="92000"/>
-              </a:lnSpc>
-              <a:spcBef>
-                <a:spcPts val="1200"/>
-              </a:spcBef>
-              <a:buSzTx/>
-              <a:buNone/>
-              <a:defRPr b="1" sz="1400">
-                <a:solidFill>
-                  <a:srgbClr val="FF0000"/>
-                </a:solidFill>
-              </a:defRPr>
-            </a:pPr>
-            <a:r>
-              <a:t>Complete part 1 by the end of period !!!!</a:t>
-            </a:r>
-          </a:p>
-        </p:txBody>
-      </p:sp>
-      <p:sp>
-        <p:nvSpPr>
-          <p:cNvPr id="188" name="Google Shape;111;p18"/>
-          <p:cNvSpPr txBox="1"/>
-          <p:nvPr>
-            <p:ph type="title"/>
-          </p:nvPr>
-        </p:nvSpPr>
-        <p:spPr>
-          <a:prstGeom prst="rect">
-            <a:avLst/>
-          </a:prstGeom>
-        </p:spPr>
-        <p:txBody>
-          <a:bodyPr/>
-          <a:lstStyle/>
-          <a:p>
-            <a:pPr defTabSz="365760">
-              <a:defRPr sz="1480">
-                <a:solidFill>
-                  <a:srgbClr val="FF9900"/>
-                </a:solidFill>
-              </a:defRPr>
-            </a:pPr>
-            <a:r>
-              <a:t>Making art with Turtle Graphics</a:t>
-            </a:r>
-          </a:p>
-          <a:p>
-            <a:pPr defTabSz="365760">
-              <a:defRPr sz="1480">
-                <a:solidFill>
-                  <a:srgbClr val="0000FF"/>
-                </a:solidFill>
-              </a:defRPr>
-            </a:pPr>
-            <a:r>
-              <a:t>Part 1: Find/Create an image</a:t>
-            </a:r>
-          </a:p>
-          <a:p>
-            <a:pPr defTabSz="365760">
-              <a:defRPr sz="1480"/>
-            </a:pPr>
-          </a:p>
-        </p:txBody>
-      </p:sp>
-    </p:spTree>
-  </p:cSld>
-  <p:clrMapOvr>
-    <a:masterClrMapping/>
-  </p:clrMapOvr>
-  <p:transition xmlns:p14="http://schemas.microsoft.com/office/powerpoint/2010/main" spd="med" advClick="1"/>
-</p:sld>
-</file>
-
-<file path=ppt/slides/slide8.xml><?xml version="1.0" encoding="utf-8"?>
-<p:sld xmlns:a="http://schemas.openxmlformats.org/drawingml/2006/main" xmlns:r="http://schemas.openxmlformats.org/officeDocument/2006/relationships" xmlns:p="http://schemas.openxmlformats.org/presentationml/2006/main" xmlns:m="http://schemas.openxmlformats.org/officeDocument/2006/math" xmlns:a14="http://schemas.microsoft.com/office/drawing/2010/main" showMasterSp="1" showMasterPhAnim="1">
-  <p:cSld>
-    <p:spTree>
-      <p:nvGrpSpPr>
-        <p:cNvPr id="1" name=""/>
-        <p:cNvGrpSpPr/>
-        <p:nvPr/>
-      </p:nvGrpSpPr>
-      <p:grpSpPr>
-        <a:xfrm>
-          <a:off x="0" y="0"/>
-          <a:ext cx="0" cy="0"/>
-          <a:chOff x="0" y="0"/>
-          <a:chExt cx="0" cy="0"/>
-        </a:xfrm>
-      </p:grpSpPr>
-      <p:sp>
-        <p:nvSpPr>
-          <p:cNvPr id="190" name="Google Shape;116;p19"/>
+          <p:cNvPr id="188" name="Google Shape;116;p19"/>
           <p:cNvSpPr txBox="1"/>
           <p:nvPr>
             <p:ph type="title"/>
@@ -7014,7 +6924,7 @@
       </p:sp>
       <p:sp>
         <p:nvSpPr>
-          <p:cNvPr id="191" name="Google Shape;117;p19"/>
+          <p:cNvPr id="189" name="Google Shape;117;p19"/>
           <p:cNvSpPr txBox="1"/>
           <p:nvPr/>
         </p:nvSpPr>
@@ -7160,7 +7070,7 @@
                                       <p:cBhvr>
                                         <p:cTn id="6" fill="hold"/>
                                         <p:tgtEl>
-                                          <p:spTgt spid="191"/>
+                                          <p:spTgt spid="189"/>
                                         </p:tgtEl>
                                         <p:attrNameLst>
                                           <p:attrName>style.visibility</p:attrName>
@@ -7174,7 +7084,7 @@
                                       <p:cBhvr>
                                         <p:cTn id="7" dur="1000"/>
                                         <p:tgtEl>
-                                          <p:spTgt spid="191"/>
+                                          <p:spTgt spid="189"/>
                                         </p:tgtEl>
                                       </p:cBhvr>
                                     </p:animEffect>
@@ -7209,7 +7119,7 @@
       </p:par>
     </p:tnLst>
     <p:bldLst>
-      <p:bldP build="whole" bldLvl="1" animBg="1" rev="0" advAuto="0" spid="191" grpId="1"/>
+      <p:bldP build="whole" bldLvl="1" animBg="1" rev="0" advAuto="0" spid="189" grpId="1"/>
     </p:bldLst>
   </p:timing>
 </p:sld>
